--- a/slide/C Programming Language 2015-1-23.pptx
+++ b/slide/C Programming Language 2015-1-23.pptx
@@ -5,10 +5,10 @@
     <p:sldMasterId id="2147483660" r:id="rId2"/>
   </p:sldMasterIdLst>
   <p:notesMasterIdLst>
-    <p:notesMasterId r:id="rId14"/>
+    <p:notesMasterId r:id="rId15"/>
   </p:notesMasterIdLst>
   <p:handoutMasterIdLst>
-    <p:handoutMasterId r:id="rId15"/>
+    <p:handoutMasterId r:id="rId16"/>
   </p:handoutMasterIdLst>
   <p:sldIdLst>
     <p:sldId id="257" r:id="rId3"/>
@@ -20,8 +20,9 @@
     <p:sldId id="306" r:id="rId9"/>
     <p:sldId id="308" r:id="rId10"/>
     <p:sldId id="307" r:id="rId11"/>
-    <p:sldId id="300" r:id="rId12"/>
-    <p:sldId id="301" r:id="rId13"/>
+    <p:sldId id="309" r:id="rId12"/>
+    <p:sldId id="310" r:id="rId13"/>
+    <p:sldId id="301" r:id="rId14"/>
   </p:sldIdLst>
   <p:sldSz cx="12188825" cy="6858000"/>
   <p:notesSz cx="6858000" cy="9144000"/>
@@ -134,7 +135,8 @@
             <p14:sldId id="306"/>
             <p14:sldId id="308"/>
             <p14:sldId id="307"/>
-            <p14:sldId id="300"/>
+            <p14:sldId id="309"/>
+            <p14:sldId id="310"/>
             <p14:sldId id="301"/>
           </p14:sldIdLst>
         </p14:section>
@@ -5369,12 +5371,14 @@
         </p:nvSpPr>
         <p:spPr/>
         <p:txBody>
-          <a:bodyPr/>
+          <a:bodyPr>
+            <a:normAutofit/>
+          </a:bodyPr>
           <a:lstStyle/>
           <a:p>
             <a:r>
               <a:rPr lang="en-US" altLang="zh-CN" dirty="0" smtClean="0"/>
-              <a:t>Homework</a:t>
+              <a:t>However, recursion is not always better</a:t>
             </a:r>
             <a:endParaRPr lang="zh-CN" altLang="en-US" dirty="0"/>
           </a:p>
@@ -5392,345 +5396,502 @@
         </p:nvSpPr>
         <p:spPr/>
         <p:txBody>
-          <a:bodyPr>
-            <a:normAutofit fontScale="92500"/>
-          </a:bodyPr>
+          <a:bodyPr/>
           <a:lstStyle/>
           <a:p>
             <a:r>
               <a:rPr lang="en-US" altLang="zh-CN" dirty="0" smtClean="0"/>
-              <a:t>We’ve already make a program to encrypt message, make another program to decrypt the code text to plaintext , also the program should support command line argument </a:t>
+              <a:t>E.g. To calculate Fibonacci Sequence</a:t>
             </a:r>
           </a:p>
           <a:p>
             <a:r>
               <a:rPr lang="en-US" altLang="zh-CN" dirty="0"/>
-              <a:t>The </a:t>
+              <a:t>Fibonacci </a:t>
             </a:r>
             <a:r>
               <a:rPr lang="en-US" altLang="zh-CN" dirty="0" smtClean="0"/>
-              <a:t>encryption method we just used is called </a:t>
-            </a:r>
-            <a:r>
-              <a:rPr lang="en-US" altLang="zh-CN" dirty="0"/>
-              <a:t>Caesar cipher(</a:t>
-            </a:r>
-            <a:r>
-              <a:rPr lang="en-US" altLang="zh-CN" dirty="0">
-                <a:hlinkClick r:id="rId2"/>
-              </a:rPr>
-              <a:t>http://</a:t>
-            </a:r>
-            <a:r>
-              <a:rPr lang="en-US" altLang="zh-CN" dirty="0" smtClean="0">
-                <a:hlinkClick r:id="rId2"/>
-              </a:rPr>
-              <a:t>en.wikipedia.org/wiki/Caesar_cipher</a:t>
-            </a:r>
+              <a:t>Sequence</a:t>
+            </a:r>
+          </a:p>
+          <a:p>
+            <a:pPr lvl="1"/>
             <a:r>
               <a:rPr lang="en-US" altLang="zh-CN" dirty="0" smtClean="0"/>
-              <a:t>), it is old and easy to hack. </a:t>
-            </a:r>
-            <a:r>
-              <a:rPr lang="en-US" altLang="zh-CN" dirty="0"/>
-              <a:t>Think </a:t>
-            </a:r>
+              <a:t>0 1 1 2 3 5 8 13……</a:t>
+            </a:r>
+          </a:p>
+          <a:p>
+            <a:pPr lvl="1"/>
             <a:r>
               <a:rPr lang="en-US" altLang="zh-CN" dirty="0" smtClean="0"/>
-              <a:t>about it, how to hack Caesar cipher? </a:t>
-            </a:r>
-          </a:p>
-          <a:p>
-            <a:r>
-              <a:rPr lang="en-US" altLang="zh-CN" dirty="0"/>
-              <a:t>C</a:t>
-            </a:r>
-            <a:r>
-              <a:rPr lang="en-US" altLang="zh-CN" dirty="0" smtClean="0"/>
-              <a:t>aesar cipher is not safe, but another cipher called </a:t>
-            </a:r>
-            <a:r>
-              <a:rPr lang="en-US" altLang="zh-CN" dirty="0" err="1"/>
-              <a:t>Vigenère</a:t>
-            </a:r>
-            <a:r>
-              <a:rPr lang="en-US" altLang="zh-CN" dirty="0"/>
-              <a:t> cipher(</a:t>
-            </a:r>
-            <a:r>
-              <a:rPr lang="en-US" altLang="zh-CN" dirty="0">
-                <a:hlinkClick r:id="rId3"/>
-              </a:rPr>
-              <a:t>http://</a:t>
-            </a:r>
-            <a:r>
-              <a:rPr lang="en-US" altLang="zh-CN" dirty="0" smtClean="0">
-                <a:hlinkClick r:id="rId3"/>
-              </a:rPr>
-              <a:t>en.wikipedia.org/wiki/Vigen%C3%A8re_cipher</a:t>
-            </a:r>
-            <a:r>
-              <a:rPr lang="en-US" altLang="zh-CN" dirty="0" smtClean="0"/>
-              <a:t>) based on Caesar cipher is more complex and hard to hack. If you are interested, program it. </a:t>
-            </a:r>
-            <a:endParaRPr lang="en-US" altLang="zh-CN" dirty="0"/>
-          </a:p>
-          <a:p>
-            <a:endParaRPr lang="en-US" altLang="zh-CN" dirty="0"/>
-          </a:p>
-          <a:p>
-            <a:endParaRPr lang="en-US" altLang="zh-CN" dirty="0" smtClean="0"/>
-          </a:p>
-          <a:p>
-            <a:endParaRPr lang="en-US" altLang="zh-CN" dirty="0"/>
+              <a:t>F(n) = F(n-1) + F(n-2)</a:t>
+            </a:r>
+            <a:endParaRPr lang="zh-CN" altLang="en-US" dirty="0"/>
           </a:p>
         </p:txBody>
       </p:sp>
       <p:sp>
         <p:nvSpPr>
-          <p:cNvPr id="4" name="五角星 3"/>
+          <p:cNvPr id="4" name="矩形 3"/>
           <p:cNvSpPr/>
           <p:nvPr/>
         </p:nvSpPr>
         <p:spPr>
           <a:xfrm>
-            <a:off x="1197868" y="1772816"/>
-            <a:ext cx="288032" cy="288032"/>
+            <a:off x="2205980" y="3645024"/>
+            <a:ext cx="5184576" cy="3046988"/>
           </a:xfrm>
-          <a:prstGeom prst="star5">
+          <a:prstGeom prst="rect">
             <a:avLst/>
           </a:prstGeom>
+          <a:solidFill>
+            <a:schemeClr val="bg1">
+              <a:lumMod val="85000"/>
+              <a:lumOff val="15000"/>
+            </a:schemeClr>
+          </a:solidFill>
         </p:spPr>
-        <p:style>
-          <a:lnRef idx="1">
-            <a:schemeClr val="accent2"/>
-          </a:lnRef>
-          <a:fillRef idx="2">
-            <a:schemeClr val="accent2"/>
-          </a:fillRef>
-          <a:effectRef idx="1">
-            <a:schemeClr val="accent2"/>
-          </a:effectRef>
-          <a:fontRef idx="minor">
-            <a:schemeClr val="dk1"/>
-          </a:fontRef>
-        </p:style>
         <p:txBody>
-          <a:bodyPr rtlCol="0" anchor="ctr"/>
+          <a:bodyPr wrap="square">
+            <a:spAutoFit/>
+          </a:bodyPr>
           <a:lstStyle/>
           <a:p>
-            <a:pPr algn="ctr"/>
-            <a:endParaRPr lang="zh-CN" altLang="en-US" sz="2800"/>
+            <a:r>
+              <a:rPr lang="zh-CN" altLang="en-US" dirty="0">
+                <a:solidFill>
+                  <a:schemeClr val="accent1">
+                    <a:lumMod val="75000"/>
+                  </a:schemeClr>
+                </a:solidFill>
+              </a:rPr>
+              <a:t>int</a:t>
+            </a:r>
+            <a:r>
+              <a:rPr lang="zh-CN" altLang="en-US" dirty="0"/>
+              <a:t> </a:t>
+            </a:r>
+            <a:r>
+              <a:rPr lang="zh-CN" altLang="en-US" dirty="0">
+                <a:solidFill>
+                  <a:srgbClr val="92D050"/>
+                </a:solidFill>
+              </a:rPr>
+              <a:t>fibonacc</a:t>
+            </a:r>
+            <a:r>
+              <a:rPr lang="zh-CN" altLang="en-US" dirty="0"/>
+              <a:t>i(</a:t>
+            </a:r>
+            <a:r>
+              <a:rPr lang="zh-CN" altLang="en-US" dirty="0">
+                <a:solidFill>
+                  <a:schemeClr val="accent1">
+                    <a:lumMod val="75000"/>
+                  </a:schemeClr>
+                </a:solidFill>
+              </a:rPr>
+              <a:t>int</a:t>
+            </a:r>
+            <a:r>
+              <a:rPr lang="zh-CN" altLang="en-US" dirty="0"/>
+              <a:t> n)</a:t>
+            </a:r>
+          </a:p>
+          <a:p>
+            <a:r>
+              <a:rPr lang="zh-CN" altLang="en-US" dirty="0"/>
+              <a:t>{</a:t>
+            </a:r>
+          </a:p>
+          <a:p>
+            <a:r>
+              <a:rPr lang="zh-CN" altLang="en-US" dirty="0" smtClean="0">
+                <a:solidFill>
+                  <a:srgbClr val="C00000"/>
+                </a:solidFill>
+              </a:rPr>
+              <a:t>    if</a:t>
+            </a:r>
+            <a:r>
+              <a:rPr lang="zh-CN" altLang="en-US" dirty="0" smtClean="0"/>
+              <a:t>(n</a:t>
+            </a:r>
+            <a:r>
+              <a:rPr lang="zh-CN" altLang="en-US" dirty="0"/>
+              <a:t>==0)</a:t>
+            </a:r>
+          </a:p>
+          <a:p>
+            <a:r>
+              <a:rPr lang="zh-CN" altLang="en-US" dirty="0"/>
+              <a:t>	</a:t>
+            </a:r>
+            <a:r>
+              <a:rPr lang="zh-CN" altLang="en-US" dirty="0">
+                <a:solidFill>
+                  <a:srgbClr val="C00000"/>
+                </a:solidFill>
+              </a:rPr>
+              <a:t>return</a:t>
+            </a:r>
+            <a:r>
+              <a:rPr lang="zh-CN" altLang="en-US" dirty="0"/>
+              <a:t> 0;</a:t>
+            </a:r>
+          </a:p>
+          <a:p>
+            <a:r>
+              <a:rPr lang="zh-CN" altLang="en-US" dirty="0" smtClean="0">
+                <a:solidFill>
+                  <a:srgbClr val="C00000"/>
+                </a:solidFill>
+              </a:rPr>
+              <a:t>    if</a:t>
+            </a:r>
+            <a:r>
+              <a:rPr lang="zh-CN" altLang="en-US" dirty="0" smtClean="0"/>
+              <a:t>(n</a:t>
+            </a:r>
+            <a:r>
+              <a:rPr lang="zh-CN" altLang="en-US" dirty="0"/>
+              <a:t>==1)</a:t>
+            </a:r>
+          </a:p>
+          <a:p>
+            <a:r>
+              <a:rPr lang="zh-CN" altLang="en-US" dirty="0"/>
+              <a:t>	</a:t>
+            </a:r>
+            <a:r>
+              <a:rPr lang="zh-CN" altLang="en-US" dirty="0">
+                <a:solidFill>
+                  <a:srgbClr val="C00000"/>
+                </a:solidFill>
+              </a:rPr>
+              <a:t>return</a:t>
+            </a:r>
+            <a:r>
+              <a:rPr lang="zh-CN" altLang="en-US" dirty="0"/>
+              <a:t> 1;</a:t>
+            </a:r>
+          </a:p>
+          <a:p>
+            <a:r>
+              <a:rPr lang="zh-CN" altLang="en-US" dirty="0"/>
+              <a:t> </a:t>
+            </a:r>
+            <a:r>
+              <a:rPr lang="zh-CN" altLang="en-US" dirty="0" smtClean="0"/>
+              <a:t>   </a:t>
+            </a:r>
+            <a:r>
+              <a:rPr lang="zh-CN" altLang="en-US" dirty="0" smtClean="0">
+                <a:solidFill>
+                  <a:srgbClr val="C00000"/>
+                </a:solidFill>
+              </a:rPr>
+              <a:t>return</a:t>
+            </a:r>
+            <a:r>
+              <a:rPr lang="zh-CN" altLang="en-US" dirty="0" smtClean="0"/>
+              <a:t> </a:t>
+            </a:r>
+            <a:r>
+              <a:rPr lang="zh-CN" altLang="en-US" dirty="0">
+                <a:solidFill>
+                  <a:srgbClr val="00B0F0"/>
+                </a:solidFill>
+              </a:rPr>
+              <a:t>fibonacci</a:t>
+            </a:r>
+            <a:r>
+              <a:rPr lang="zh-CN" altLang="en-US" dirty="0"/>
+              <a:t>(n-1) + </a:t>
+            </a:r>
+            <a:r>
+              <a:rPr lang="zh-CN" altLang="en-US" dirty="0">
+                <a:solidFill>
+                  <a:srgbClr val="00B0F0"/>
+                </a:solidFill>
+              </a:rPr>
+              <a:t>fibonacci</a:t>
+            </a:r>
+            <a:r>
+              <a:rPr lang="zh-CN" altLang="en-US" dirty="0"/>
+              <a:t>(n-2);</a:t>
+            </a:r>
+          </a:p>
+          <a:p>
+            <a:r>
+              <a:rPr lang="zh-CN" altLang="en-US" dirty="0"/>
+              <a:t>}</a:t>
+            </a:r>
           </a:p>
         </p:txBody>
       </p:sp>
       <p:sp>
         <p:nvSpPr>
-          <p:cNvPr id="5" name="五角星 4"/>
+          <p:cNvPr id="5" name="矩形 4"/>
           <p:cNvSpPr/>
           <p:nvPr/>
         </p:nvSpPr>
         <p:spPr>
           <a:xfrm>
-            <a:off x="1269876" y="2996952"/>
-            <a:ext cx="288032" cy="288032"/>
+            <a:off x="8038628" y="1502688"/>
+            <a:ext cx="4030860" cy="5355312"/>
           </a:xfrm>
-          <a:prstGeom prst="star5">
+          <a:prstGeom prst="rect">
             <a:avLst/>
           </a:prstGeom>
+          <a:solidFill>
+            <a:schemeClr val="bg1">
+              <a:lumMod val="85000"/>
+              <a:lumOff val="15000"/>
+            </a:schemeClr>
+          </a:solidFill>
         </p:spPr>
-        <p:style>
-          <a:lnRef idx="1">
-            <a:schemeClr val="accent2"/>
-          </a:lnRef>
-          <a:fillRef idx="2">
-            <a:schemeClr val="accent2"/>
-          </a:fillRef>
-          <a:effectRef idx="1">
-            <a:schemeClr val="accent2"/>
-          </a:effectRef>
-          <a:fontRef idx="minor">
-            <a:schemeClr val="dk1"/>
-          </a:fontRef>
-        </p:style>
         <p:txBody>
-          <a:bodyPr rtlCol="0" anchor="ctr"/>
+          <a:bodyPr wrap="square">
+            <a:spAutoFit/>
+          </a:bodyPr>
           <a:lstStyle/>
           <a:p>
-            <a:pPr algn="ctr"/>
-            <a:endParaRPr lang="zh-CN" altLang="en-US" sz="2800"/>
-          </a:p>
-        </p:txBody>
-      </p:sp>
-      <p:sp>
-        <p:nvSpPr>
-          <p:cNvPr id="6" name="五角星 5"/>
-          <p:cNvSpPr/>
-          <p:nvPr/>
-        </p:nvSpPr>
-        <p:spPr>
-          <a:xfrm>
-            <a:off x="888821" y="3000400"/>
-            <a:ext cx="288032" cy="288032"/>
-          </a:xfrm>
-          <a:prstGeom prst="star5">
-            <a:avLst/>
-          </a:prstGeom>
-        </p:spPr>
-        <p:style>
-          <a:lnRef idx="1">
-            <a:schemeClr val="accent2"/>
-          </a:lnRef>
-          <a:fillRef idx="2">
-            <a:schemeClr val="accent2"/>
-          </a:fillRef>
-          <a:effectRef idx="1">
-            <a:schemeClr val="accent2"/>
-          </a:effectRef>
-          <a:fontRef idx="minor">
-            <a:schemeClr val="dk1"/>
-          </a:fontRef>
-        </p:style>
-        <p:txBody>
-          <a:bodyPr rtlCol="0" anchor="ctr"/>
-          <a:lstStyle/>
-          <a:p>
-            <a:pPr algn="ctr"/>
-            <a:endParaRPr lang="zh-CN" altLang="en-US" sz="2800"/>
-          </a:p>
-        </p:txBody>
-      </p:sp>
-      <p:sp>
-        <p:nvSpPr>
-          <p:cNvPr id="7" name="五角星 6"/>
-          <p:cNvSpPr/>
-          <p:nvPr/>
-        </p:nvSpPr>
-        <p:spPr>
-          <a:xfrm>
-            <a:off x="1210374" y="4317224"/>
-            <a:ext cx="288032" cy="288032"/>
-          </a:xfrm>
-          <a:prstGeom prst="star5">
-            <a:avLst/>
-          </a:prstGeom>
-        </p:spPr>
-        <p:style>
-          <a:lnRef idx="1">
-            <a:schemeClr val="accent2"/>
-          </a:lnRef>
-          <a:fillRef idx="2">
-            <a:schemeClr val="accent2"/>
-          </a:fillRef>
-          <a:effectRef idx="1">
-            <a:schemeClr val="accent2"/>
-          </a:effectRef>
-          <a:fontRef idx="minor">
-            <a:schemeClr val="dk1"/>
-          </a:fontRef>
-        </p:style>
-        <p:txBody>
-          <a:bodyPr rtlCol="0" anchor="ctr"/>
-          <a:lstStyle/>
-          <a:p>
-            <a:pPr algn="ctr"/>
-            <a:endParaRPr lang="zh-CN" altLang="en-US" sz="2800"/>
-          </a:p>
-        </p:txBody>
-      </p:sp>
-      <p:sp>
-        <p:nvSpPr>
-          <p:cNvPr id="8" name="五角星 7"/>
-          <p:cNvSpPr/>
-          <p:nvPr/>
-        </p:nvSpPr>
-        <p:spPr>
-          <a:xfrm>
-            <a:off x="782581" y="4320927"/>
-            <a:ext cx="288032" cy="288032"/>
-          </a:xfrm>
-          <a:prstGeom prst="star5">
-            <a:avLst/>
-          </a:prstGeom>
-        </p:spPr>
-        <p:style>
-          <a:lnRef idx="1">
-            <a:schemeClr val="accent2"/>
-          </a:lnRef>
-          <a:fillRef idx="2">
-            <a:schemeClr val="accent2"/>
-          </a:fillRef>
-          <a:effectRef idx="1">
-            <a:schemeClr val="accent2"/>
-          </a:effectRef>
-          <a:fontRef idx="minor">
-            <a:schemeClr val="dk1"/>
-          </a:fontRef>
-        </p:style>
-        <p:txBody>
-          <a:bodyPr rtlCol="0" anchor="ctr"/>
-          <a:lstStyle/>
-          <a:p>
-            <a:pPr algn="ctr"/>
-            <a:endParaRPr lang="zh-CN" altLang="en-US" sz="2800"/>
-          </a:p>
-        </p:txBody>
-      </p:sp>
-      <p:sp>
-        <p:nvSpPr>
-          <p:cNvPr id="9" name="五角星 8"/>
-          <p:cNvSpPr/>
-          <p:nvPr/>
-        </p:nvSpPr>
-        <p:spPr>
-          <a:xfrm>
-            <a:off x="354788" y="4317224"/>
-            <a:ext cx="288032" cy="288032"/>
-          </a:xfrm>
-          <a:prstGeom prst="star5">
-            <a:avLst/>
-          </a:prstGeom>
-        </p:spPr>
-        <p:style>
-          <a:lnRef idx="1">
-            <a:schemeClr val="accent2"/>
-          </a:lnRef>
-          <a:fillRef idx="2">
-            <a:schemeClr val="accent2"/>
-          </a:fillRef>
-          <a:effectRef idx="1">
-            <a:schemeClr val="accent2"/>
-          </a:effectRef>
-          <a:fontRef idx="minor">
-            <a:schemeClr val="dk1"/>
-          </a:fontRef>
-        </p:style>
-        <p:txBody>
-          <a:bodyPr rtlCol="0" anchor="ctr"/>
-          <a:lstStyle/>
-          <a:p>
-            <a:pPr algn="ctr"/>
-            <a:endParaRPr lang="zh-CN" altLang="en-US" sz="2800"/>
+            <a:r>
+              <a:rPr lang="en-US" altLang="zh-CN" sz="1800" dirty="0">
+                <a:solidFill>
+                  <a:schemeClr val="accent1">
+                    <a:lumMod val="75000"/>
+                  </a:schemeClr>
+                </a:solidFill>
+              </a:rPr>
+              <a:t>int</a:t>
+            </a:r>
+            <a:r>
+              <a:rPr lang="en-US" altLang="zh-CN" sz="1800" dirty="0"/>
+              <a:t> </a:t>
+            </a:r>
+            <a:r>
+              <a:rPr lang="en-US" altLang="zh-CN" sz="1800" dirty="0">
+                <a:solidFill>
+                  <a:srgbClr val="00B050"/>
+                </a:solidFill>
+              </a:rPr>
+              <a:t>fibonacci</a:t>
+            </a:r>
+            <a:r>
+              <a:rPr lang="en-US" altLang="zh-CN" sz="1800" dirty="0"/>
+              <a:t>(</a:t>
+            </a:r>
+            <a:r>
+              <a:rPr lang="en-US" altLang="zh-CN" sz="1800" dirty="0">
+                <a:solidFill>
+                  <a:schemeClr val="accent1">
+                    <a:lumMod val="75000"/>
+                  </a:schemeClr>
+                </a:solidFill>
+              </a:rPr>
+              <a:t>int </a:t>
+            </a:r>
+            <a:r>
+              <a:rPr lang="en-US" altLang="zh-CN" sz="1800" dirty="0"/>
+              <a:t>n)</a:t>
+            </a:r>
+          </a:p>
+          <a:p>
+            <a:r>
+              <a:rPr lang="en-US" altLang="zh-CN" sz="1800" dirty="0"/>
+              <a:t>{</a:t>
+            </a:r>
+            <a:endParaRPr lang="zh-CN" altLang="en-US" sz="1800" dirty="0"/>
+          </a:p>
+          <a:p>
+            <a:pPr lvl="1"/>
+            <a:r>
+              <a:rPr lang="en-US" altLang="zh-CN" sz="1800" dirty="0">
+                <a:solidFill>
+                  <a:schemeClr val="accent1">
+                    <a:lumMod val="75000"/>
+                  </a:schemeClr>
+                </a:solidFill>
+              </a:rPr>
+              <a:t>int</a:t>
+            </a:r>
+            <a:r>
+              <a:rPr lang="en-US" altLang="zh-CN" sz="1800" dirty="0"/>
+              <a:t> n0 = 0;</a:t>
+            </a:r>
+          </a:p>
+          <a:p>
+            <a:pPr lvl="1"/>
+            <a:r>
+              <a:rPr lang="en-US" altLang="zh-CN" sz="1800" dirty="0">
+                <a:solidFill>
+                  <a:schemeClr val="accent1">
+                    <a:lumMod val="75000"/>
+                  </a:schemeClr>
+                </a:solidFill>
+              </a:rPr>
+              <a:t>int</a:t>
+            </a:r>
+            <a:r>
+              <a:rPr lang="en-US" altLang="zh-CN" sz="1800" dirty="0"/>
+              <a:t> n1 = 1;</a:t>
+            </a:r>
+          </a:p>
+          <a:p>
+            <a:pPr lvl="1"/>
+            <a:r>
+              <a:rPr lang="en-US" altLang="zh-CN" sz="1800" dirty="0"/>
+              <a:t>if(n==0)</a:t>
+            </a:r>
+          </a:p>
+          <a:p>
+            <a:pPr lvl="1"/>
+            <a:r>
+              <a:rPr lang="en-US" altLang="zh-CN" sz="1800" dirty="0"/>
+              <a:t>{</a:t>
+            </a:r>
+            <a:endParaRPr lang="zh-CN" altLang="en-US" sz="1800" dirty="0"/>
+          </a:p>
+          <a:p>
+            <a:pPr lvl="1"/>
+            <a:r>
+              <a:rPr lang="en-US" altLang="zh-CN" sz="1800" dirty="0"/>
+              <a:t>	return </a:t>
+            </a:r>
+            <a:r>
+              <a:rPr lang="en-US" altLang="zh-CN" sz="1800" dirty="0"/>
+              <a:t>0;</a:t>
+            </a:r>
+          </a:p>
+          <a:p>
+            <a:pPr lvl="1"/>
+            <a:r>
+              <a:rPr lang="en-US" altLang="zh-CN" sz="1800" dirty="0"/>
+              <a:t>}</a:t>
+            </a:r>
+            <a:endParaRPr lang="zh-CN" altLang="en-US" sz="1800" dirty="0"/>
+          </a:p>
+          <a:p>
+            <a:pPr lvl="1"/>
+            <a:r>
+              <a:rPr lang="en-US" altLang="zh-CN" sz="1800" dirty="0">
+                <a:solidFill>
+                  <a:schemeClr val="accent1">
+                    <a:lumMod val="75000"/>
+                  </a:schemeClr>
+                </a:solidFill>
+              </a:rPr>
+              <a:t>int</a:t>
+            </a:r>
+            <a:r>
+              <a:rPr lang="en-US" altLang="zh-CN" sz="1800" dirty="0"/>
+              <a:t> i = 1;</a:t>
+            </a:r>
+          </a:p>
+          <a:p>
+            <a:pPr lvl="1"/>
+            <a:r>
+              <a:rPr lang="en-US" altLang="zh-CN" sz="1800" dirty="0">
+                <a:solidFill>
+                  <a:schemeClr val="accent1">
+                    <a:lumMod val="75000"/>
+                  </a:schemeClr>
+                </a:solidFill>
+              </a:rPr>
+              <a:t>int</a:t>
+            </a:r>
+            <a:r>
+              <a:rPr lang="en-US" altLang="zh-CN" sz="1800" dirty="0"/>
+              <a:t> out=0;</a:t>
+            </a:r>
+          </a:p>
+          <a:p>
+            <a:pPr lvl="1"/>
+            <a:r>
+              <a:rPr lang="en-US" altLang="zh-CN" sz="1800" dirty="0"/>
+              <a:t>while(i&lt;n)</a:t>
+            </a:r>
+          </a:p>
+          <a:p>
+            <a:pPr lvl="1"/>
+            <a:r>
+              <a:rPr lang="en-US" altLang="zh-CN" sz="1800" dirty="0"/>
+              <a:t>{</a:t>
+            </a:r>
+            <a:endParaRPr lang="zh-CN" altLang="en-US" sz="1800" dirty="0"/>
+          </a:p>
+          <a:p>
+            <a:pPr lvl="2"/>
+            <a:r>
+              <a:rPr lang="en-US" altLang="zh-CN" sz="1800" dirty="0"/>
+              <a:t>out = n0 + n1;</a:t>
+            </a:r>
+          </a:p>
+          <a:p>
+            <a:pPr lvl="2"/>
+            <a:r>
+              <a:rPr lang="en-US" altLang="zh-CN" sz="1800" dirty="0"/>
+              <a:t>n0 = n1;</a:t>
+            </a:r>
+          </a:p>
+          <a:p>
+            <a:pPr lvl="2"/>
+            <a:r>
+              <a:rPr lang="en-US" altLang="zh-CN" sz="1800" dirty="0"/>
+              <a:t>n1 = out;</a:t>
+            </a:r>
+          </a:p>
+          <a:p>
+            <a:pPr lvl="2"/>
+            <a:r>
+              <a:rPr lang="en-US" altLang="zh-CN" sz="1800" dirty="0"/>
+              <a:t>i++;</a:t>
+            </a:r>
+          </a:p>
+          <a:p>
+            <a:pPr lvl="1"/>
+            <a:r>
+              <a:rPr lang="en-US" altLang="zh-CN" sz="1800" dirty="0"/>
+              <a:t>}</a:t>
+            </a:r>
+            <a:endParaRPr lang="zh-CN" altLang="en-US" sz="1800" dirty="0"/>
+          </a:p>
+          <a:p>
+            <a:pPr lvl="1"/>
+            <a:r>
+              <a:rPr lang="en-US" altLang="zh-CN" sz="1800" dirty="0"/>
+              <a:t>return out;</a:t>
+            </a:r>
+          </a:p>
+          <a:p>
+            <a:r>
+              <a:rPr lang="en-US" altLang="zh-CN" sz="1800" dirty="0"/>
+              <a:t>}</a:t>
+            </a:r>
+            <a:endParaRPr lang="zh-CN" altLang="en-US" sz="1800" dirty="0"/>
           </a:p>
         </p:txBody>
       </p:sp>
     </p:spTree>
     <p:extLst>
       <p:ext uri="{BB962C8B-B14F-4D97-AF65-F5344CB8AC3E}">
-        <p14:creationId xmlns:p14="http://schemas.microsoft.com/office/powerpoint/2010/main" val="3990256269"/>
+        <p14:creationId xmlns:p14="http://schemas.microsoft.com/office/powerpoint/2010/main" val="1765493722"/>
       </p:ext>
     </p:extLst>
   </p:cSld>
   <p:clrMapOvr>
     <a:masterClrMapping/>
   </p:clrMapOvr>
-  <mc:AlternateContent xmlns:mc="http://schemas.openxmlformats.org/markup-compatibility/2006" xmlns:p14="http://schemas.microsoft.com/office/powerpoint/2010/main">
-    <mc:Choice Requires="p14">
+  <mc:AlternateContent xmlns:mc="http://schemas.openxmlformats.org/markup-compatibility/2006">
+    <mc:Choice xmlns:p14="http://schemas.microsoft.com/office/powerpoint/2010/main" Requires="p14">
       <p:transition spd="med" p14:dur="700">
         <p:fade/>
       </p:transition>
     </mc:Choice>
-    <mc:Fallback xmlns="">
+    <mc:Fallback>
       <p:transition spd="med">
         <p:fade/>
       </p:transition>
@@ -5739,9 +5900,124 @@
   <p:timing>
     <p:tnLst>
       <p:par>
-        <p:cTn id="1" dur="indefinite" restart="never" nodeType="tmRoot"/>
+        <p:cTn id="1" dur="indefinite" restart="never" nodeType="tmRoot">
+          <p:childTnLst>
+            <p:seq concurrent="1" nextAc="seek">
+              <p:cTn id="2" dur="indefinite" nodeType="mainSeq">
+                <p:childTnLst>
+                  <p:par>
+                    <p:cTn id="3" fill="hold">
+                      <p:stCondLst>
+                        <p:cond delay="indefinite"/>
+                      </p:stCondLst>
+                      <p:childTnLst>
+                        <p:par>
+                          <p:cTn id="4" fill="hold">
+                            <p:stCondLst>
+                              <p:cond delay="0"/>
+                            </p:stCondLst>
+                            <p:childTnLst>
+                              <p:par>
+                                <p:cTn id="5" presetID="10" presetClass="entr" presetSubtype="0" fill="hold" grpId="0" nodeType="clickEffect">
+                                  <p:stCondLst>
+                                    <p:cond delay="0"/>
+                                  </p:stCondLst>
+                                  <p:childTnLst>
+                                    <p:set>
+                                      <p:cBhvr>
+                                        <p:cTn id="6" dur="1" fill="hold">
+                                          <p:stCondLst>
+                                            <p:cond delay="0"/>
+                                          </p:stCondLst>
+                                        </p:cTn>
+                                        <p:tgtEl>
+                                          <p:spTgt spid="5"/>
+                                        </p:tgtEl>
+                                        <p:attrNameLst>
+                                          <p:attrName>style.visibility</p:attrName>
+                                        </p:attrNameLst>
+                                      </p:cBhvr>
+                                      <p:to>
+                                        <p:strVal val="visible"/>
+                                      </p:to>
+                                    </p:set>
+                                    <p:animEffect transition="in" filter="fade">
+                                      <p:cBhvr>
+                                        <p:cTn id="7" dur="500"/>
+                                        <p:tgtEl>
+                                          <p:spTgt spid="5"/>
+                                        </p:tgtEl>
+                                      </p:cBhvr>
+                                    </p:animEffect>
+                                  </p:childTnLst>
+                                </p:cTn>
+                              </p:par>
+                              <p:par>
+                                <p:cTn id="8" presetID="10" presetClass="entr" presetSubtype="0" fill="hold" grpId="0" nodeType="withEffect">
+                                  <p:stCondLst>
+                                    <p:cond delay="0"/>
+                                  </p:stCondLst>
+                                  <p:childTnLst>
+                                    <p:set>
+                                      <p:cBhvr>
+                                        <p:cTn id="9" dur="1" fill="hold">
+                                          <p:stCondLst>
+                                            <p:cond delay="0"/>
+                                          </p:stCondLst>
+                                        </p:cTn>
+                                        <p:tgtEl>
+                                          <p:spTgt spid="4"/>
+                                        </p:tgtEl>
+                                        <p:attrNameLst>
+                                          <p:attrName>style.visibility</p:attrName>
+                                        </p:attrNameLst>
+                                      </p:cBhvr>
+                                      <p:to>
+                                        <p:strVal val="visible"/>
+                                      </p:to>
+                                    </p:set>
+                                    <p:animEffect transition="in" filter="fade">
+                                      <p:cBhvr>
+                                        <p:cTn id="10" dur="500"/>
+                                        <p:tgtEl>
+                                          <p:spTgt spid="4"/>
+                                        </p:tgtEl>
+                                      </p:cBhvr>
+                                    </p:animEffect>
+                                  </p:childTnLst>
+                                </p:cTn>
+                              </p:par>
+                            </p:childTnLst>
+                          </p:cTn>
+                        </p:par>
+                      </p:childTnLst>
+                    </p:cTn>
+                  </p:par>
+                </p:childTnLst>
+              </p:cTn>
+              <p:prevCondLst>
+                <p:cond evt="onPrev" delay="0">
+                  <p:tgtEl>
+                    <p:sldTgt/>
+                  </p:tgtEl>
+                </p:cond>
+              </p:prevCondLst>
+              <p:nextCondLst>
+                <p:cond evt="onNext" delay="0">
+                  <p:tgtEl>
+                    <p:sldTgt/>
+                  </p:tgtEl>
+                </p:cond>
+              </p:nextCondLst>
+            </p:seq>
+          </p:childTnLst>
+        </p:cTn>
       </p:par>
     </p:tnLst>
+    <p:bldLst>
+      <p:bldP spid="4" grpId="0" animBg="1"/>
+      <p:bldP spid="5" grpId="0" animBg="1"/>
+    </p:bldLst>
   </p:timing>
 </p:sld>
 </file>
@@ -5780,7 +6056,7 @@
           <a:p>
             <a:r>
               <a:rPr lang="en-US" altLang="zh-CN" dirty="0" smtClean="0"/>
-              <a:t>Next time</a:t>
+              <a:t>Homework	</a:t>
             </a:r>
             <a:endParaRPr lang="zh-CN" altLang="en-US" dirty="0"/>
           </a:p>
@@ -5803,11 +6079,1361 @@
           <a:p>
             <a:r>
               <a:rPr lang="en-US" altLang="zh-CN" dirty="0" smtClean="0"/>
-              <a:t>We make the encryption program in GUI with </a:t>
-            </a:r>
-            <a:r>
-              <a:rPr lang="en-US" altLang="zh-CN" dirty="0" err="1" smtClean="0"/>
-              <a:t>gtk</a:t>
+              <a:t>Suppose we have two sorted linked list, merge the two list together and keep the new linked list still sorted </a:t>
+            </a:r>
+          </a:p>
+          <a:p>
+            <a:r>
+              <a:rPr lang="en-US" altLang="zh-CN" dirty="0" smtClean="0"/>
+              <a:t>E.g.</a:t>
+            </a:r>
+          </a:p>
+          <a:p>
+            <a:endParaRPr lang="en-US" altLang="zh-CN" dirty="0" smtClean="0"/>
+          </a:p>
+          <a:p>
+            <a:endParaRPr lang="en-US" altLang="zh-CN" dirty="0"/>
+          </a:p>
+          <a:p>
+            <a:r>
+              <a:rPr lang="en-US" altLang="zh-CN" dirty="0" smtClean="0"/>
+              <a:t>Merged result</a:t>
+            </a:r>
+          </a:p>
+          <a:p>
+            <a:endParaRPr lang="zh-CN" altLang="en-US" dirty="0"/>
+          </a:p>
+        </p:txBody>
+      </p:sp>
+      <p:graphicFrame>
+        <p:nvGraphicFramePr>
+          <p:cNvPr id="4" name="表格 3"/>
+          <p:cNvGraphicFramePr>
+            <a:graphicFrameLocks noGrp="1"/>
+          </p:cNvGraphicFramePr>
+          <p:nvPr>
+            <p:extLst>
+              <p:ext uri="{D42A27DB-BD31-4B8C-83A1-F6EECF244321}">
+                <p14:modId xmlns:p14="http://schemas.microsoft.com/office/powerpoint/2010/main" val="1775067888"/>
+              </p:ext>
+            </p:extLst>
+          </p:nvPr>
+        </p:nvGraphicFramePr>
+        <p:xfrm>
+          <a:off x="2566020" y="3068960"/>
+          <a:ext cx="857646" cy="457200"/>
+        </p:xfrm>
+        <a:graphic>
+          <a:graphicData uri="http://schemas.openxmlformats.org/drawingml/2006/table">
+            <a:tbl>
+              <a:tblPr firstRow="1" bandRow="1">
+                <a:tableStyleId>{5940675A-B579-460E-94D1-54222C63F5DA}</a:tableStyleId>
+              </a:tblPr>
+              <a:tblGrid>
+                <a:gridCol w="649366"/>
+                <a:gridCol w="208280"/>
+              </a:tblGrid>
+              <a:tr h="370840">
+                <a:tc>
+                  <a:txBody>
+                    <a:bodyPr/>
+                    <a:lstStyle/>
+                    <a:p>
+                      <a:r>
+                        <a:rPr lang="en-US" altLang="zh-CN" dirty="0" smtClean="0"/>
+                        <a:t>1</a:t>
+                      </a:r>
+                      <a:endParaRPr lang="zh-CN" altLang="en-US" dirty="0"/>
+                    </a:p>
+                  </a:txBody>
+                  <a:tcPr/>
+                </a:tc>
+                <a:tc>
+                  <a:txBody>
+                    <a:bodyPr/>
+                    <a:lstStyle/>
+                    <a:p>
+                      <a:endParaRPr lang="zh-CN" altLang="en-US" dirty="0"/>
+                    </a:p>
+                  </a:txBody>
+                  <a:tcPr/>
+                </a:tc>
+              </a:tr>
+            </a:tbl>
+          </a:graphicData>
+        </a:graphic>
+      </p:graphicFrame>
+      <p:graphicFrame>
+        <p:nvGraphicFramePr>
+          <p:cNvPr id="5" name="表格 4"/>
+          <p:cNvGraphicFramePr>
+            <a:graphicFrameLocks noGrp="1"/>
+          </p:cNvGraphicFramePr>
+          <p:nvPr>
+            <p:extLst>
+              <p:ext uri="{D42A27DB-BD31-4B8C-83A1-F6EECF244321}">
+                <p14:modId xmlns:p14="http://schemas.microsoft.com/office/powerpoint/2010/main" val="1439593017"/>
+              </p:ext>
+            </p:extLst>
+          </p:nvPr>
+        </p:nvGraphicFramePr>
+        <p:xfrm>
+          <a:off x="3937397" y="3068960"/>
+          <a:ext cx="857646" cy="457200"/>
+        </p:xfrm>
+        <a:graphic>
+          <a:graphicData uri="http://schemas.openxmlformats.org/drawingml/2006/table">
+            <a:tbl>
+              <a:tblPr firstRow="1" bandRow="1">
+                <a:tableStyleId>{5940675A-B579-460E-94D1-54222C63F5DA}</a:tableStyleId>
+              </a:tblPr>
+              <a:tblGrid>
+                <a:gridCol w="649366"/>
+                <a:gridCol w="208280"/>
+              </a:tblGrid>
+              <a:tr h="370840">
+                <a:tc>
+                  <a:txBody>
+                    <a:bodyPr/>
+                    <a:lstStyle/>
+                    <a:p>
+                      <a:r>
+                        <a:rPr lang="en-US" altLang="zh-CN" dirty="0" smtClean="0"/>
+                        <a:t>3</a:t>
+                      </a:r>
+                      <a:endParaRPr lang="zh-CN" altLang="en-US" dirty="0"/>
+                    </a:p>
+                  </a:txBody>
+                  <a:tcPr/>
+                </a:tc>
+                <a:tc>
+                  <a:txBody>
+                    <a:bodyPr/>
+                    <a:lstStyle/>
+                    <a:p>
+                      <a:endParaRPr lang="zh-CN" altLang="en-US" dirty="0"/>
+                    </a:p>
+                  </a:txBody>
+                  <a:tcPr/>
+                </a:tc>
+              </a:tr>
+            </a:tbl>
+          </a:graphicData>
+        </a:graphic>
+      </p:graphicFrame>
+      <p:graphicFrame>
+        <p:nvGraphicFramePr>
+          <p:cNvPr id="6" name="表格 5"/>
+          <p:cNvGraphicFramePr>
+            <a:graphicFrameLocks noGrp="1"/>
+          </p:cNvGraphicFramePr>
+          <p:nvPr>
+            <p:extLst>
+              <p:ext uri="{D42A27DB-BD31-4B8C-83A1-F6EECF244321}">
+                <p14:modId xmlns:p14="http://schemas.microsoft.com/office/powerpoint/2010/main" val="1613982923"/>
+              </p:ext>
+            </p:extLst>
+          </p:nvPr>
+        </p:nvGraphicFramePr>
+        <p:xfrm>
+          <a:off x="5446340" y="3068960"/>
+          <a:ext cx="857646" cy="457200"/>
+        </p:xfrm>
+        <a:graphic>
+          <a:graphicData uri="http://schemas.openxmlformats.org/drawingml/2006/table">
+            <a:tbl>
+              <a:tblPr firstRow="1" bandRow="1">
+                <a:tableStyleId>{5940675A-B579-460E-94D1-54222C63F5DA}</a:tableStyleId>
+              </a:tblPr>
+              <a:tblGrid>
+                <a:gridCol w="649366"/>
+                <a:gridCol w="208280"/>
+              </a:tblGrid>
+              <a:tr h="370840">
+                <a:tc>
+                  <a:txBody>
+                    <a:bodyPr/>
+                    <a:lstStyle/>
+                    <a:p>
+                      <a:r>
+                        <a:rPr lang="en-US" altLang="zh-CN" dirty="0" smtClean="0"/>
+                        <a:t>5</a:t>
+                      </a:r>
+                      <a:endParaRPr lang="zh-CN" altLang="en-US" dirty="0"/>
+                    </a:p>
+                  </a:txBody>
+                  <a:tcPr/>
+                </a:tc>
+                <a:tc>
+                  <a:txBody>
+                    <a:bodyPr/>
+                    <a:lstStyle/>
+                    <a:p>
+                      <a:endParaRPr lang="zh-CN" altLang="en-US" dirty="0"/>
+                    </a:p>
+                  </a:txBody>
+                  <a:tcPr/>
+                </a:tc>
+              </a:tr>
+            </a:tbl>
+          </a:graphicData>
+        </a:graphic>
+      </p:graphicFrame>
+      <p:graphicFrame>
+        <p:nvGraphicFramePr>
+          <p:cNvPr id="7" name="表格 6"/>
+          <p:cNvGraphicFramePr>
+            <a:graphicFrameLocks noGrp="1"/>
+          </p:cNvGraphicFramePr>
+          <p:nvPr>
+            <p:extLst>
+              <p:ext uri="{D42A27DB-BD31-4B8C-83A1-F6EECF244321}">
+                <p14:modId xmlns:p14="http://schemas.microsoft.com/office/powerpoint/2010/main" val="2099271930"/>
+              </p:ext>
+            </p:extLst>
+          </p:nvPr>
+        </p:nvGraphicFramePr>
+        <p:xfrm>
+          <a:off x="2566020" y="3861048"/>
+          <a:ext cx="857646" cy="457200"/>
+        </p:xfrm>
+        <a:graphic>
+          <a:graphicData uri="http://schemas.openxmlformats.org/drawingml/2006/table">
+            <a:tbl>
+              <a:tblPr firstRow="1" bandRow="1">
+                <a:tableStyleId>{5940675A-B579-460E-94D1-54222C63F5DA}</a:tableStyleId>
+              </a:tblPr>
+              <a:tblGrid>
+                <a:gridCol w="649366"/>
+                <a:gridCol w="208280"/>
+              </a:tblGrid>
+              <a:tr h="370840">
+                <a:tc>
+                  <a:txBody>
+                    <a:bodyPr/>
+                    <a:lstStyle/>
+                    <a:p>
+                      <a:r>
+                        <a:rPr lang="en-US" altLang="zh-CN" dirty="0" smtClean="0"/>
+                        <a:t>2</a:t>
+                      </a:r>
+                      <a:endParaRPr lang="zh-CN" altLang="en-US" dirty="0"/>
+                    </a:p>
+                  </a:txBody>
+                  <a:tcPr/>
+                </a:tc>
+                <a:tc>
+                  <a:txBody>
+                    <a:bodyPr/>
+                    <a:lstStyle/>
+                    <a:p>
+                      <a:endParaRPr lang="zh-CN" altLang="en-US" dirty="0"/>
+                    </a:p>
+                  </a:txBody>
+                  <a:tcPr/>
+                </a:tc>
+              </a:tr>
+            </a:tbl>
+          </a:graphicData>
+        </a:graphic>
+      </p:graphicFrame>
+      <p:graphicFrame>
+        <p:nvGraphicFramePr>
+          <p:cNvPr id="8" name="表格 7"/>
+          <p:cNvGraphicFramePr>
+            <a:graphicFrameLocks noGrp="1"/>
+          </p:cNvGraphicFramePr>
+          <p:nvPr>
+            <p:extLst>
+              <p:ext uri="{D42A27DB-BD31-4B8C-83A1-F6EECF244321}">
+                <p14:modId xmlns:p14="http://schemas.microsoft.com/office/powerpoint/2010/main" val="2529771657"/>
+              </p:ext>
+            </p:extLst>
+          </p:nvPr>
+        </p:nvGraphicFramePr>
+        <p:xfrm>
+          <a:off x="4000970" y="3861048"/>
+          <a:ext cx="857646" cy="457200"/>
+        </p:xfrm>
+        <a:graphic>
+          <a:graphicData uri="http://schemas.openxmlformats.org/drawingml/2006/table">
+            <a:tbl>
+              <a:tblPr firstRow="1" bandRow="1">
+                <a:tableStyleId>{5940675A-B579-460E-94D1-54222C63F5DA}</a:tableStyleId>
+              </a:tblPr>
+              <a:tblGrid>
+                <a:gridCol w="649366"/>
+                <a:gridCol w="208280"/>
+              </a:tblGrid>
+              <a:tr h="370840">
+                <a:tc>
+                  <a:txBody>
+                    <a:bodyPr/>
+                    <a:lstStyle/>
+                    <a:p>
+                      <a:r>
+                        <a:rPr lang="en-US" altLang="zh-CN" dirty="0" smtClean="0"/>
+                        <a:t>4</a:t>
+                      </a:r>
+                      <a:endParaRPr lang="zh-CN" altLang="en-US" dirty="0"/>
+                    </a:p>
+                  </a:txBody>
+                  <a:tcPr/>
+                </a:tc>
+                <a:tc>
+                  <a:txBody>
+                    <a:bodyPr/>
+                    <a:lstStyle/>
+                    <a:p>
+                      <a:endParaRPr lang="zh-CN" altLang="en-US" dirty="0"/>
+                    </a:p>
+                  </a:txBody>
+                  <a:tcPr/>
+                </a:tc>
+              </a:tr>
+            </a:tbl>
+          </a:graphicData>
+        </a:graphic>
+      </p:graphicFrame>
+      <p:graphicFrame>
+        <p:nvGraphicFramePr>
+          <p:cNvPr id="9" name="表格 8"/>
+          <p:cNvGraphicFramePr>
+            <a:graphicFrameLocks noGrp="1"/>
+          </p:cNvGraphicFramePr>
+          <p:nvPr>
+            <p:extLst>
+              <p:ext uri="{D42A27DB-BD31-4B8C-83A1-F6EECF244321}">
+                <p14:modId xmlns:p14="http://schemas.microsoft.com/office/powerpoint/2010/main" val="1671101764"/>
+              </p:ext>
+            </p:extLst>
+          </p:nvPr>
+        </p:nvGraphicFramePr>
+        <p:xfrm>
+          <a:off x="5369122" y="3861048"/>
+          <a:ext cx="857646" cy="457200"/>
+        </p:xfrm>
+        <a:graphic>
+          <a:graphicData uri="http://schemas.openxmlformats.org/drawingml/2006/table">
+            <a:tbl>
+              <a:tblPr firstRow="1" bandRow="1">
+                <a:tableStyleId>{5940675A-B579-460E-94D1-54222C63F5DA}</a:tableStyleId>
+              </a:tblPr>
+              <a:tblGrid>
+                <a:gridCol w="649366"/>
+                <a:gridCol w="208280"/>
+              </a:tblGrid>
+              <a:tr h="370840">
+                <a:tc>
+                  <a:txBody>
+                    <a:bodyPr/>
+                    <a:lstStyle/>
+                    <a:p>
+                      <a:r>
+                        <a:rPr lang="en-US" altLang="zh-CN" dirty="0" smtClean="0"/>
+                        <a:t>6</a:t>
+                      </a:r>
+                      <a:endParaRPr lang="zh-CN" altLang="en-US" dirty="0"/>
+                    </a:p>
+                  </a:txBody>
+                  <a:tcPr/>
+                </a:tc>
+                <a:tc>
+                  <a:txBody>
+                    <a:bodyPr/>
+                    <a:lstStyle/>
+                    <a:p>
+                      <a:endParaRPr lang="zh-CN" altLang="en-US" dirty="0"/>
+                    </a:p>
+                  </a:txBody>
+                  <a:tcPr/>
+                </a:tc>
+              </a:tr>
+            </a:tbl>
+          </a:graphicData>
+        </a:graphic>
+      </p:graphicFrame>
+      <p:cxnSp>
+        <p:nvCxnSpPr>
+          <p:cNvPr id="10" name="直接箭头连接符 9"/>
+          <p:cNvCxnSpPr>
+            <a:endCxn id="5" idx="1"/>
+          </p:cNvCxnSpPr>
+          <p:nvPr/>
+        </p:nvCxnSpPr>
+        <p:spPr>
+          <a:xfrm flipV="1">
+            <a:off x="3286100" y="3297560"/>
+            <a:ext cx="651297" cy="2232"/>
+          </a:xfrm>
+          <a:prstGeom prst="straightConnector1">
+            <a:avLst/>
+          </a:prstGeom>
+          <a:ln w="25400">
+            <a:solidFill>
+              <a:schemeClr val="tx1"/>
+            </a:solidFill>
+            <a:tailEnd type="triangle"/>
+          </a:ln>
+        </p:spPr>
+        <p:style>
+          <a:lnRef idx="1">
+            <a:schemeClr val="accent1"/>
+          </a:lnRef>
+          <a:fillRef idx="0">
+            <a:schemeClr val="accent1"/>
+          </a:fillRef>
+          <a:effectRef idx="0">
+            <a:schemeClr val="accent1"/>
+          </a:effectRef>
+          <a:fontRef idx="minor">
+            <a:schemeClr val="tx1"/>
+          </a:fontRef>
+        </p:style>
+      </p:cxnSp>
+      <p:cxnSp>
+        <p:nvCxnSpPr>
+          <p:cNvPr id="11" name="直接箭头连接符 10"/>
+          <p:cNvCxnSpPr>
+            <a:endCxn id="6" idx="1"/>
+          </p:cNvCxnSpPr>
+          <p:nvPr/>
+        </p:nvCxnSpPr>
+        <p:spPr>
+          <a:xfrm flipV="1">
+            <a:off x="4654252" y="3297560"/>
+            <a:ext cx="792088" cy="2232"/>
+          </a:xfrm>
+          <a:prstGeom prst="straightConnector1">
+            <a:avLst/>
+          </a:prstGeom>
+          <a:ln w="25400">
+            <a:solidFill>
+              <a:schemeClr val="tx1"/>
+            </a:solidFill>
+            <a:tailEnd type="triangle"/>
+          </a:ln>
+        </p:spPr>
+        <p:style>
+          <a:lnRef idx="1">
+            <a:schemeClr val="accent1"/>
+          </a:lnRef>
+          <a:fillRef idx="0">
+            <a:schemeClr val="accent1"/>
+          </a:fillRef>
+          <a:effectRef idx="0">
+            <a:schemeClr val="accent1"/>
+          </a:effectRef>
+          <a:fontRef idx="minor">
+            <a:schemeClr val="tx1"/>
+          </a:fontRef>
+        </p:style>
+      </p:cxnSp>
+      <p:cxnSp>
+        <p:nvCxnSpPr>
+          <p:cNvPr id="12" name="直接箭头连接符 11"/>
+          <p:cNvCxnSpPr/>
+          <p:nvPr/>
+        </p:nvCxnSpPr>
+        <p:spPr>
+          <a:xfrm>
+            <a:off x="6238428" y="3297560"/>
+            <a:ext cx="695029" cy="0"/>
+          </a:xfrm>
+          <a:prstGeom prst="straightConnector1">
+            <a:avLst/>
+          </a:prstGeom>
+          <a:ln w="25400">
+            <a:solidFill>
+              <a:schemeClr val="tx1"/>
+            </a:solidFill>
+            <a:tailEnd type="triangle"/>
+          </a:ln>
+        </p:spPr>
+        <p:style>
+          <a:lnRef idx="1">
+            <a:schemeClr val="accent1"/>
+          </a:lnRef>
+          <a:fillRef idx="0">
+            <a:schemeClr val="accent1"/>
+          </a:fillRef>
+          <a:effectRef idx="0">
+            <a:schemeClr val="accent1"/>
+          </a:effectRef>
+          <a:fontRef idx="minor">
+            <a:schemeClr val="tx1"/>
+          </a:fontRef>
+        </p:style>
+      </p:cxnSp>
+      <p:cxnSp>
+        <p:nvCxnSpPr>
+          <p:cNvPr id="13" name="直接箭头连接符 12"/>
+          <p:cNvCxnSpPr>
+            <a:endCxn id="8" idx="1"/>
+          </p:cNvCxnSpPr>
+          <p:nvPr/>
+        </p:nvCxnSpPr>
+        <p:spPr>
+          <a:xfrm>
+            <a:off x="3318699" y="4089648"/>
+            <a:ext cx="682271" cy="0"/>
+          </a:xfrm>
+          <a:prstGeom prst="straightConnector1">
+            <a:avLst/>
+          </a:prstGeom>
+          <a:ln w="25400">
+            <a:solidFill>
+              <a:schemeClr val="tx1"/>
+            </a:solidFill>
+            <a:tailEnd type="triangle"/>
+          </a:ln>
+        </p:spPr>
+        <p:style>
+          <a:lnRef idx="1">
+            <a:schemeClr val="accent1"/>
+          </a:lnRef>
+          <a:fillRef idx="0">
+            <a:schemeClr val="accent1"/>
+          </a:fillRef>
+          <a:effectRef idx="0">
+            <a:schemeClr val="accent1"/>
+          </a:effectRef>
+          <a:fontRef idx="minor">
+            <a:schemeClr val="tx1"/>
+          </a:fontRef>
+        </p:style>
+      </p:cxnSp>
+      <p:cxnSp>
+        <p:nvCxnSpPr>
+          <p:cNvPr id="14" name="直接箭头连接符 13"/>
+          <p:cNvCxnSpPr/>
+          <p:nvPr/>
+        </p:nvCxnSpPr>
+        <p:spPr>
+          <a:xfrm flipV="1">
+            <a:off x="4753649" y="4087416"/>
+            <a:ext cx="651297" cy="2232"/>
+          </a:xfrm>
+          <a:prstGeom prst="straightConnector1">
+            <a:avLst/>
+          </a:prstGeom>
+          <a:ln w="25400">
+            <a:solidFill>
+              <a:schemeClr val="tx1"/>
+            </a:solidFill>
+            <a:tailEnd type="triangle"/>
+          </a:ln>
+        </p:spPr>
+        <p:style>
+          <a:lnRef idx="1">
+            <a:schemeClr val="accent1"/>
+          </a:lnRef>
+          <a:fillRef idx="0">
+            <a:schemeClr val="accent1"/>
+          </a:fillRef>
+          <a:effectRef idx="0">
+            <a:schemeClr val="accent1"/>
+          </a:effectRef>
+          <a:fontRef idx="minor">
+            <a:schemeClr val="tx1"/>
+          </a:fontRef>
+        </p:style>
+      </p:cxnSp>
+      <p:sp>
+        <p:nvSpPr>
+          <p:cNvPr id="15" name="矩形 14"/>
+          <p:cNvSpPr/>
+          <p:nvPr/>
+        </p:nvSpPr>
+        <p:spPr>
+          <a:xfrm>
+            <a:off x="6990026" y="3066727"/>
+            <a:ext cx="340158" cy="461665"/>
+          </a:xfrm>
+          <a:prstGeom prst="rect">
+            <a:avLst/>
+          </a:prstGeom>
+        </p:spPr>
+        <p:txBody>
+          <a:bodyPr wrap="none">
+            <a:spAutoFit/>
+          </a:bodyPr>
+          <a:lstStyle/>
+          <a:p>
+            <a:r>
+              <a:rPr lang="en-US" altLang="zh-CN" dirty="0" smtClean="0"/>
+              <a:t>0</a:t>
+            </a:r>
+            <a:endParaRPr lang="zh-CN" altLang="en-US" dirty="0"/>
+          </a:p>
+        </p:txBody>
+      </p:sp>
+      <p:cxnSp>
+        <p:nvCxnSpPr>
+          <p:cNvPr id="16" name="直接箭头连接符 15"/>
+          <p:cNvCxnSpPr/>
+          <p:nvPr/>
+        </p:nvCxnSpPr>
+        <p:spPr>
+          <a:xfrm>
+            <a:off x="6154784" y="4091881"/>
+            <a:ext cx="695029" cy="0"/>
+          </a:xfrm>
+          <a:prstGeom prst="straightConnector1">
+            <a:avLst/>
+          </a:prstGeom>
+          <a:ln w="25400">
+            <a:solidFill>
+              <a:schemeClr val="tx1"/>
+            </a:solidFill>
+            <a:tailEnd type="triangle"/>
+          </a:ln>
+        </p:spPr>
+        <p:style>
+          <a:lnRef idx="1">
+            <a:schemeClr val="accent1"/>
+          </a:lnRef>
+          <a:fillRef idx="0">
+            <a:schemeClr val="accent1"/>
+          </a:fillRef>
+          <a:effectRef idx="0">
+            <a:schemeClr val="accent1"/>
+          </a:effectRef>
+          <a:fontRef idx="minor">
+            <a:schemeClr val="tx1"/>
+          </a:fontRef>
+        </p:style>
+      </p:cxnSp>
+      <p:sp>
+        <p:nvSpPr>
+          <p:cNvPr id="17" name="矩形 16"/>
+          <p:cNvSpPr/>
+          <p:nvPr/>
+        </p:nvSpPr>
+        <p:spPr>
+          <a:xfrm>
+            <a:off x="6906382" y="3861048"/>
+            <a:ext cx="340158" cy="461665"/>
+          </a:xfrm>
+          <a:prstGeom prst="rect">
+            <a:avLst/>
+          </a:prstGeom>
+        </p:spPr>
+        <p:txBody>
+          <a:bodyPr wrap="none">
+            <a:spAutoFit/>
+          </a:bodyPr>
+          <a:lstStyle/>
+          <a:p>
+            <a:r>
+              <a:rPr lang="en-US" altLang="zh-CN" dirty="0" smtClean="0"/>
+              <a:t>0</a:t>
+            </a:r>
+            <a:endParaRPr lang="zh-CN" altLang="en-US" dirty="0"/>
+          </a:p>
+        </p:txBody>
+      </p:sp>
+      <p:graphicFrame>
+        <p:nvGraphicFramePr>
+          <p:cNvPr id="18" name="表格 17"/>
+          <p:cNvGraphicFramePr>
+            <a:graphicFrameLocks noGrp="1"/>
+          </p:cNvGraphicFramePr>
+          <p:nvPr>
+            <p:extLst>
+              <p:ext uri="{D42A27DB-BD31-4B8C-83A1-F6EECF244321}">
+                <p14:modId xmlns:p14="http://schemas.microsoft.com/office/powerpoint/2010/main" val="1462005330"/>
+              </p:ext>
+            </p:extLst>
+          </p:nvPr>
+        </p:nvGraphicFramePr>
+        <p:xfrm>
+          <a:off x="1682114" y="5204048"/>
+          <a:ext cx="857646" cy="457200"/>
+        </p:xfrm>
+        <a:graphic>
+          <a:graphicData uri="http://schemas.openxmlformats.org/drawingml/2006/table">
+            <a:tbl>
+              <a:tblPr firstRow="1" bandRow="1">
+                <a:tableStyleId>{5940675A-B579-460E-94D1-54222C63F5DA}</a:tableStyleId>
+              </a:tblPr>
+              <a:tblGrid>
+                <a:gridCol w="649366"/>
+                <a:gridCol w="208280"/>
+              </a:tblGrid>
+              <a:tr h="370840">
+                <a:tc>
+                  <a:txBody>
+                    <a:bodyPr/>
+                    <a:lstStyle/>
+                    <a:p>
+                      <a:r>
+                        <a:rPr lang="en-US" altLang="zh-CN" dirty="0" smtClean="0"/>
+                        <a:t>1</a:t>
+                      </a:r>
+                      <a:endParaRPr lang="zh-CN" altLang="en-US" dirty="0"/>
+                    </a:p>
+                  </a:txBody>
+                  <a:tcPr/>
+                </a:tc>
+                <a:tc>
+                  <a:txBody>
+                    <a:bodyPr/>
+                    <a:lstStyle/>
+                    <a:p>
+                      <a:endParaRPr lang="zh-CN" altLang="en-US" dirty="0"/>
+                    </a:p>
+                  </a:txBody>
+                  <a:tcPr/>
+                </a:tc>
+              </a:tr>
+            </a:tbl>
+          </a:graphicData>
+        </a:graphic>
+      </p:graphicFrame>
+      <p:graphicFrame>
+        <p:nvGraphicFramePr>
+          <p:cNvPr id="19" name="表格 18"/>
+          <p:cNvGraphicFramePr>
+            <a:graphicFrameLocks noGrp="1"/>
+          </p:cNvGraphicFramePr>
+          <p:nvPr>
+            <p:extLst>
+              <p:ext uri="{D42A27DB-BD31-4B8C-83A1-F6EECF244321}">
+                <p14:modId xmlns:p14="http://schemas.microsoft.com/office/powerpoint/2010/main" val="4145994509"/>
+              </p:ext>
+            </p:extLst>
+          </p:nvPr>
+        </p:nvGraphicFramePr>
+        <p:xfrm>
+          <a:off x="3053491" y="5204048"/>
+          <a:ext cx="857646" cy="457200"/>
+        </p:xfrm>
+        <a:graphic>
+          <a:graphicData uri="http://schemas.openxmlformats.org/drawingml/2006/table">
+            <a:tbl>
+              <a:tblPr firstRow="1" bandRow="1">
+                <a:tableStyleId>{5940675A-B579-460E-94D1-54222C63F5DA}</a:tableStyleId>
+              </a:tblPr>
+              <a:tblGrid>
+                <a:gridCol w="649366"/>
+                <a:gridCol w="208280"/>
+              </a:tblGrid>
+              <a:tr h="370840">
+                <a:tc>
+                  <a:txBody>
+                    <a:bodyPr/>
+                    <a:lstStyle/>
+                    <a:p>
+                      <a:r>
+                        <a:rPr lang="en-US" altLang="zh-CN" dirty="0" smtClean="0"/>
+                        <a:t>2</a:t>
+                      </a:r>
+                      <a:endParaRPr lang="zh-CN" altLang="en-US" dirty="0"/>
+                    </a:p>
+                  </a:txBody>
+                  <a:tcPr/>
+                </a:tc>
+                <a:tc>
+                  <a:txBody>
+                    <a:bodyPr/>
+                    <a:lstStyle/>
+                    <a:p>
+                      <a:endParaRPr lang="zh-CN" altLang="en-US" dirty="0"/>
+                    </a:p>
+                  </a:txBody>
+                  <a:tcPr/>
+                </a:tc>
+              </a:tr>
+            </a:tbl>
+          </a:graphicData>
+        </a:graphic>
+      </p:graphicFrame>
+      <p:graphicFrame>
+        <p:nvGraphicFramePr>
+          <p:cNvPr id="20" name="表格 19"/>
+          <p:cNvGraphicFramePr>
+            <a:graphicFrameLocks noGrp="1"/>
+          </p:cNvGraphicFramePr>
+          <p:nvPr>
+            <p:extLst>
+              <p:ext uri="{D42A27DB-BD31-4B8C-83A1-F6EECF244321}">
+                <p14:modId xmlns:p14="http://schemas.microsoft.com/office/powerpoint/2010/main" val="351109929"/>
+              </p:ext>
+            </p:extLst>
+          </p:nvPr>
+        </p:nvGraphicFramePr>
+        <p:xfrm>
+          <a:off x="4562434" y="5204048"/>
+          <a:ext cx="857646" cy="457200"/>
+        </p:xfrm>
+        <a:graphic>
+          <a:graphicData uri="http://schemas.openxmlformats.org/drawingml/2006/table">
+            <a:tbl>
+              <a:tblPr firstRow="1" bandRow="1">
+                <a:tableStyleId>{5940675A-B579-460E-94D1-54222C63F5DA}</a:tableStyleId>
+              </a:tblPr>
+              <a:tblGrid>
+                <a:gridCol w="649366"/>
+                <a:gridCol w="208280"/>
+              </a:tblGrid>
+              <a:tr h="370840">
+                <a:tc>
+                  <a:txBody>
+                    <a:bodyPr/>
+                    <a:lstStyle/>
+                    <a:p>
+                      <a:r>
+                        <a:rPr lang="en-US" altLang="zh-CN" dirty="0" smtClean="0"/>
+                        <a:t>3</a:t>
+                      </a:r>
+                      <a:endParaRPr lang="zh-CN" altLang="en-US" dirty="0"/>
+                    </a:p>
+                  </a:txBody>
+                  <a:tcPr/>
+                </a:tc>
+                <a:tc>
+                  <a:txBody>
+                    <a:bodyPr/>
+                    <a:lstStyle/>
+                    <a:p>
+                      <a:endParaRPr lang="zh-CN" altLang="en-US" dirty="0"/>
+                    </a:p>
+                  </a:txBody>
+                  <a:tcPr/>
+                </a:tc>
+              </a:tr>
+            </a:tbl>
+          </a:graphicData>
+        </a:graphic>
+      </p:graphicFrame>
+      <p:graphicFrame>
+        <p:nvGraphicFramePr>
+          <p:cNvPr id="21" name="表格 20"/>
+          <p:cNvGraphicFramePr>
+            <a:graphicFrameLocks noGrp="1"/>
+          </p:cNvGraphicFramePr>
+          <p:nvPr>
+            <p:extLst>
+              <p:ext uri="{D42A27DB-BD31-4B8C-83A1-F6EECF244321}">
+                <p14:modId xmlns:p14="http://schemas.microsoft.com/office/powerpoint/2010/main" val="1033386864"/>
+              </p:ext>
+            </p:extLst>
+          </p:nvPr>
+        </p:nvGraphicFramePr>
+        <p:xfrm>
+          <a:off x="6007804" y="5204048"/>
+          <a:ext cx="857646" cy="457200"/>
+        </p:xfrm>
+        <a:graphic>
+          <a:graphicData uri="http://schemas.openxmlformats.org/drawingml/2006/table">
+            <a:tbl>
+              <a:tblPr firstRow="1" bandRow="1">
+                <a:tableStyleId>{5940675A-B579-460E-94D1-54222C63F5DA}</a:tableStyleId>
+              </a:tblPr>
+              <a:tblGrid>
+                <a:gridCol w="649366"/>
+                <a:gridCol w="208280"/>
+              </a:tblGrid>
+              <a:tr h="370840">
+                <a:tc>
+                  <a:txBody>
+                    <a:bodyPr/>
+                    <a:lstStyle/>
+                    <a:p>
+                      <a:r>
+                        <a:rPr lang="en-US" altLang="zh-CN" dirty="0" smtClean="0"/>
+                        <a:t>4</a:t>
+                      </a:r>
+                      <a:endParaRPr lang="zh-CN" altLang="en-US" dirty="0"/>
+                    </a:p>
+                  </a:txBody>
+                  <a:tcPr/>
+                </a:tc>
+                <a:tc>
+                  <a:txBody>
+                    <a:bodyPr/>
+                    <a:lstStyle/>
+                    <a:p>
+                      <a:endParaRPr lang="zh-CN" altLang="en-US" dirty="0"/>
+                    </a:p>
+                  </a:txBody>
+                  <a:tcPr/>
+                </a:tc>
+              </a:tr>
+            </a:tbl>
+          </a:graphicData>
+        </a:graphic>
+      </p:graphicFrame>
+      <p:graphicFrame>
+        <p:nvGraphicFramePr>
+          <p:cNvPr id="22" name="表格 21"/>
+          <p:cNvGraphicFramePr>
+            <a:graphicFrameLocks noGrp="1"/>
+          </p:cNvGraphicFramePr>
+          <p:nvPr>
+            <p:extLst>
+              <p:ext uri="{D42A27DB-BD31-4B8C-83A1-F6EECF244321}">
+                <p14:modId xmlns:p14="http://schemas.microsoft.com/office/powerpoint/2010/main" val="485954778"/>
+              </p:ext>
+            </p:extLst>
+          </p:nvPr>
+        </p:nvGraphicFramePr>
+        <p:xfrm>
+          <a:off x="7442754" y="5204048"/>
+          <a:ext cx="857646" cy="457200"/>
+        </p:xfrm>
+        <a:graphic>
+          <a:graphicData uri="http://schemas.openxmlformats.org/drawingml/2006/table">
+            <a:tbl>
+              <a:tblPr firstRow="1" bandRow="1">
+                <a:tableStyleId>{5940675A-B579-460E-94D1-54222C63F5DA}</a:tableStyleId>
+              </a:tblPr>
+              <a:tblGrid>
+                <a:gridCol w="649366"/>
+                <a:gridCol w="208280"/>
+              </a:tblGrid>
+              <a:tr h="370840">
+                <a:tc>
+                  <a:txBody>
+                    <a:bodyPr/>
+                    <a:lstStyle/>
+                    <a:p>
+                      <a:r>
+                        <a:rPr lang="en-US" altLang="zh-CN" dirty="0" smtClean="0"/>
+                        <a:t>5</a:t>
+                      </a:r>
+                      <a:endParaRPr lang="zh-CN" altLang="en-US" dirty="0"/>
+                    </a:p>
+                  </a:txBody>
+                  <a:tcPr/>
+                </a:tc>
+                <a:tc>
+                  <a:txBody>
+                    <a:bodyPr/>
+                    <a:lstStyle/>
+                    <a:p>
+                      <a:endParaRPr lang="zh-CN" altLang="en-US" dirty="0"/>
+                    </a:p>
+                  </a:txBody>
+                  <a:tcPr/>
+                </a:tc>
+              </a:tr>
+            </a:tbl>
+          </a:graphicData>
+        </a:graphic>
+      </p:graphicFrame>
+      <p:graphicFrame>
+        <p:nvGraphicFramePr>
+          <p:cNvPr id="23" name="表格 22"/>
+          <p:cNvGraphicFramePr>
+            <a:graphicFrameLocks noGrp="1"/>
+          </p:cNvGraphicFramePr>
+          <p:nvPr>
+            <p:extLst>
+              <p:ext uri="{D42A27DB-BD31-4B8C-83A1-F6EECF244321}">
+                <p14:modId xmlns:p14="http://schemas.microsoft.com/office/powerpoint/2010/main" val="3968580624"/>
+              </p:ext>
+            </p:extLst>
+          </p:nvPr>
+        </p:nvGraphicFramePr>
+        <p:xfrm>
+          <a:off x="8810906" y="5204048"/>
+          <a:ext cx="857646" cy="457200"/>
+        </p:xfrm>
+        <a:graphic>
+          <a:graphicData uri="http://schemas.openxmlformats.org/drawingml/2006/table">
+            <a:tbl>
+              <a:tblPr firstRow="1" bandRow="1">
+                <a:tableStyleId>{5940675A-B579-460E-94D1-54222C63F5DA}</a:tableStyleId>
+              </a:tblPr>
+              <a:tblGrid>
+                <a:gridCol w="649366"/>
+                <a:gridCol w="208280"/>
+              </a:tblGrid>
+              <a:tr h="370840">
+                <a:tc>
+                  <a:txBody>
+                    <a:bodyPr/>
+                    <a:lstStyle/>
+                    <a:p>
+                      <a:r>
+                        <a:rPr lang="en-US" altLang="zh-CN" dirty="0" smtClean="0"/>
+                        <a:t>6</a:t>
+                      </a:r>
+                      <a:endParaRPr lang="zh-CN" altLang="en-US" dirty="0"/>
+                    </a:p>
+                  </a:txBody>
+                  <a:tcPr/>
+                </a:tc>
+                <a:tc>
+                  <a:txBody>
+                    <a:bodyPr/>
+                    <a:lstStyle/>
+                    <a:p>
+                      <a:endParaRPr lang="zh-CN" altLang="en-US" dirty="0"/>
+                    </a:p>
+                  </a:txBody>
+                  <a:tcPr/>
+                </a:tc>
+              </a:tr>
+            </a:tbl>
+          </a:graphicData>
+        </a:graphic>
+      </p:graphicFrame>
+      <p:cxnSp>
+        <p:nvCxnSpPr>
+          <p:cNvPr id="24" name="直接箭头连接符 23"/>
+          <p:cNvCxnSpPr>
+            <a:endCxn id="19" idx="1"/>
+          </p:cNvCxnSpPr>
+          <p:nvPr/>
+        </p:nvCxnSpPr>
+        <p:spPr>
+          <a:xfrm flipV="1">
+            <a:off x="2402194" y="5432648"/>
+            <a:ext cx="651297" cy="2232"/>
+          </a:xfrm>
+          <a:prstGeom prst="straightConnector1">
+            <a:avLst/>
+          </a:prstGeom>
+          <a:ln w="25400">
+            <a:solidFill>
+              <a:schemeClr val="tx1"/>
+            </a:solidFill>
+            <a:tailEnd type="triangle"/>
+          </a:ln>
+        </p:spPr>
+        <p:style>
+          <a:lnRef idx="1">
+            <a:schemeClr val="accent1"/>
+          </a:lnRef>
+          <a:fillRef idx="0">
+            <a:schemeClr val="accent1"/>
+          </a:fillRef>
+          <a:effectRef idx="0">
+            <a:schemeClr val="accent1"/>
+          </a:effectRef>
+          <a:fontRef idx="minor">
+            <a:schemeClr val="tx1"/>
+          </a:fontRef>
+        </p:style>
+      </p:cxnSp>
+      <p:cxnSp>
+        <p:nvCxnSpPr>
+          <p:cNvPr id="25" name="直接箭头连接符 24"/>
+          <p:cNvCxnSpPr>
+            <a:endCxn id="20" idx="1"/>
+          </p:cNvCxnSpPr>
+          <p:nvPr/>
+        </p:nvCxnSpPr>
+        <p:spPr>
+          <a:xfrm flipV="1">
+            <a:off x="3770346" y="5432648"/>
+            <a:ext cx="792088" cy="2232"/>
+          </a:xfrm>
+          <a:prstGeom prst="straightConnector1">
+            <a:avLst/>
+          </a:prstGeom>
+          <a:ln w="25400">
+            <a:solidFill>
+              <a:schemeClr val="tx1"/>
+            </a:solidFill>
+            <a:tailEnd type="triangle"/>
+          </a:ln>
+        </p:spPr>
+        <p:style>
+          <a:lnRef idx="1">
+            <a:schemeClr val="accent1"/>
+          </a:lnRef>
+          <a:fillRef idx="0">
+            <a:schemeClr val="accent1"/>
+          </a:fillRef>
+          <a:effectRef idx="0">
+            <a:schemeClr val="accent1"/>
+          </a:effectRef>
+          <a:fontRef idx="minor">
+            <a:schemeClr val="tx1"/>
+          </a:fontRef>
+        </p:style>
+      </p:cxnSp>
+      <p:cxnSp>
+        <p:nvCxnSpPr>
+          <p:cNvPr id="26" name="直接箭头连接符 25"/>
+          <p:cNvCxnSpPr>
+            <a:endCxn id="21" idx="1"/>
+          </p:cNvCxnSpPr>
+          <p:nvPr/>
+        </p:nvCxnSpPr>
+        <p:spPr>
+          <a:xfrm>
+            <a:off x="5312775" y="5432648"/>
+            <a:ext cx="695029" cy="0"/>
+          </a:xfrm>
+          <a:prstGeom prst="straightConnector1">
+            <a:avLst/>
+          </a:prstGeom>
+          <a:ln w="25400">
+            <a:solidFill>
+              <a:schemeClr val="tx1"/>
+            </a:solidFill>
+            <a:tailEnd type="triangle"/>
+          </a:ln>
+        </p:spPr>
+        <p:style>
+          <a:lnRef idx="1">
+            <a:schemeClr val="accent1"/>
+          </a:lnRef>
+          <a:fillRef idx="0">
+            <a:schemeClr val="accent1"/>
+          </a:fillRef>
+          <a:effectRef idx="0">
+            <a:schemeClr val="accent1"/>
+          </a:effectRef>
+          <a:fontRef idx="minor">
+            <a:schemeClr val="tx1"/>
+          </a:fontRef>
+        </p:style>
+      </p:cxnSp>
+      <p:cxnSp>
+        <p:nvCxnSpPr>
+          <p:cNvPr id="27" name="直接箭头连接符 26"/>
+          <p:cNvCxnSpPr>
+            <a:endCxn id="22" idx="1"/>
+          </p:cNvCxnSpPr>
+          <p:nvPr/>
+        </p:nvCxnSpPr>
+        <p:spPr>
+          <a:xfrm>
+            <a:off x="6760483" y="5432648"/>
+            <a:ext cx="682271" cy="0"/>
+          </a:xfrm>
+          <a:prstGeom prst="straightConnector1">
+            <a:avLst/>
+          </a:prstGeom>
+          <a:ln w="25400">
+            <a:solidFill>
+              <a:schemeClr val="tx1"/>
+            </a:solidFill>
+            <a:tailEnd type="triangle"/>
+          </a:ln>
+        </p:spPr>
+        <p:style>
+          <a:lnRef idx="1">
+            <a:schemeClr val="accent1"/>
+          </a:lnRef>
+          <a:fillRef idx="0">
+            <a:schemeClr val="accent1"/>
+          </a:fillRef>
+          <a:effectRef idx="0">
+            <a:schemeClr val="accent1"/>
+          </a:effectRef>
+          <a:fontRef idx="minor">
+            <a:schemeClr val="tx1"/>
+          </a:fontRef>
+        </p:style>
+      </p:cxnSp>
+      <p:cxnSp>
+        <p:nvCxnSpPr>
+          <p:cNvPr id="28" name="直接箭头连接符 27"/>
+          <p:cNvCxnSpPr/>
+          <p:nvPr/>
+        </p:nvCxnSpPr>
+        <p:spPr>
+          <a:xfrm flipV="1">
+            <a:off x="8195433" y="5430416"/>
+            <a:ext cx="651297" cy="2232"/>
+          </a:xfrm>
+          <a:prstGeom prst="straightConnector1">
+            <a:avLst/>
+          </a:prstGeom>
+          <a:ln w="25400">
+            <a:solidFill>
+              <a:schemeClr val="tx1"/>
+            </a:solidFill>
+            <a:tailEnd type="triangle"/>
+          </a:ln>
+        </p:spPr>
+        <p:style>
+          <a:lnRef idx="1">
+            <a:schemeClr val="accent1"/>
+          </a:lnRef>
+          <a:fillRef idx="0">
+            <a:schemeClr val="accent1"/>
+          </a:fillRef>
+          <a:effectRef idx="0">
+            <a:schemeClr val="accent1"/>
+          </a:effectRef>
+          <a:fontRef idx="minor">
+            <a:schemeClr val="tx1"/>
+          </a:fontRef>
+        </p:style>
+      </p:cxnSp>
+      <p:cxnSp>
+        <p:nvCxnSpPr>
+          <p:cNvPr id="29" name="直接箭头连接符 28"/>
+          <p:cNvCxnSpPr/>
+          <p:nvPr/>
+        </p:nvCxnSpPr>
+        <p:spPr>
+          <a:xfrm flipV="1">
+            <a:off x="9530986" y="5428184"/>
+            <a:ext cx="651297" cy="2232"/>
+          </a:xfrm>
+          <a:prstGeom prst="straightConnector1">
+            <a:avLst/>
+          </a:prstGeom>
+          <a:ln w="25400">
+            <a:solidFill>
+              <a:schemeClr val="tx1"/>
+            </a:solidFill>
+            <a:tailEnd type="triangle"/>
+          </a:ln>
+        </p:spPr>
+        <p:style>
+          <a:lnRef idx="1">
+            <a:schemeClr val="accent1"/>
+          </a:lnRef>
+          <a:fillRef idx="0">
+            <a:schemeClr val="accent1"/>
+          </a:fillRef>
+          <a:effectRef idx="0">
+            <a:schemeClr val="accent1"/>
+          </a:effectRef>
+          <a:fontRef idx="minor">
+            <a:schemeClr val="tx1"/>
+          </a:fontRef>
+        </p:style>
+      </p:cxnSp>
+      <p:sp>
+        <p:nvSpPr>
+          <p:cNvPr id="30" name="矩形 29"/>
+          <p:cNvSpPr/>
+          <p:nvPr/>
+        </p:nvSpPr>
+        <p:spPr>
+          <a:xfrm>
+            <a:off x="10146742" y="5187280"/>
+            <a:ext cx="340158" cy="461665"/>
+          </a:xfrm>
+          <a:prstGeom prst="rect">
+            <a:avLst/>
+          </a:prstGeom>
+        </p:spPr>
+        <p:txBody>
+          <a:bodyPr wrap="none">
+            <a:spAutoFit/>
+          </a:bodyPr>
+          <a:lstStyle/>
+          <a:p>
+            <a:r>
+              <a:rPr lang="en-US" altLang="zh-CN" dirty="0" smtClean="0"/>
+              <a:t>0</a:t>
+            </a:r>
+            <a:endParaRPr lang="zh-CN" altLang="en-US" dirty="0"/>
+          </a:p>
+        </p:txBody>
+      </p:sp>
+    </p:spTree>
+    <p:extLst>
+      <p:ext uri="{BB962C8B-B14F-4D97-AF65-F5344CB8AC3E}">
+        <p14:creationId xmlns:p14="http://schemas.microsoft.com/office/powerpoint/2010/main" val="2089725923"/>
+      </p:ext>
+    </p:extLst>
+  </p:cSld>
+  <p:clrMapOvr>
+    <a:masterClrMapping/>
+  </p:clrMapOvr>
+  <mc:AlternateContent xmlns:mc="http://schemas.openxmlformats.org/markup-compatibility/2006">
+    <mc:Choice xmlns:p14="http://schemas.microsoft.com/office/powerpoint/2010/main" Requires="p14">
+      <p:transition spd="med" p14:dur="700">
+        <p:fade/>
+      </p:transition>
+    </mc:Choice>
+    <mc:Fallback>
+      <p:transition spd="med">
+        <p:fade/>
+      </p:transition>
+    </mc:Fallback>
+  </mc:AlternateContent>
+  <p:timing>
+    <p:tnLst>
+      <p:par>
+        <p:cTn id="1" dur="indefinite" restart="never" nodeType="tmRoot"/>
+      </p:par>
+    </p:tnLst>
+  </p:timing>
+</p:sld>
+</file>
+
+<file path=ppt/slides/slide12.xml><?xml version="1.0" encoding="utf-8"?>
+<p:sld xmlns:a="http://schemas.openxmlformats.org/drawingml/2006/main" xmlns:r="http://schemas.openxmlformats.org/officeDocument/2006/relationships" xmlns:p="http://schemas.openxmlformats.org/presentationml/2006/main">
+  <p:cSld>
+    <p:spTree>
+      <p:nvGrpSpPr>
+        <p:cNvPr id="1" name=""/>
+        <p:cNvGrpSpPr/>
+        <p:nvPr/>
+      </p:nvGrpSpPr>
+      <p:grpSpPr>
+        <a:xfrm>
+          <a:off x="0" y="0"/>
+          <a:ext cx="0" cy="0"/>
+          <a:chOff x="0" y="0"/>
+          <a:chExt cx="0" cy="0"/>
+        </a:xfrm>
+      </p:grpSpPr>
+      <p:sp>
+        <p:nvSpPr>
+          <p:cNvPr id="2" name="标题 1"/>
+          <p:cNvSpPr>
+            <a:spLocks noGrp="1"/>
+          </p:cNvSpPr>
+          <p:nvPr>
+            <p:ph type="title"/>
+          </p:nvPr>
+        </p:nvSpPr>
+        <p:spPr/>
+        <p:txBody>
+          <a:bodyPr/>
+          <a:lstStyle/>
+          <a:p>
+            <a:r>
+              <a:rPr lang="en-US" altLang="zh-CN" dirty="0" smtClean="0"/>
+              <a:t>Next time</a:t>
+            </a:r>
+            <a:endParaRPr lang="zh-CN" altLang="en-US" dirty="0"/>
+          </a:p>
+        </p:txBody>
+      </p:sp>
+      <p:sp>
+        <p:nvSpPr>
+          <p:cNvPr id="3" name="内容占位符 2"/>
+          <p:cNvSpPr>
+            <a:spLocks noGrp="1"/>
+          </p:cNvSpPr>
+          <p:nvPr>
+            <p:ph idx="1"/>
+          </p:nvPr>
+        </p:nvSpPr>
+        <p:spPr/>
+        <p:txBody>
+          <a:bodyPr/>
+          <a:lstStyle/>
+          <a:p>
+            <a:r>
+              <a:rPr lang="en-US" altLang="zh-CN" dirty="0" smtClean="0"/>
+              <a:t>Binary tree</a:t>
+            </a:r>
+          </a:p>
+          <a:p>
+            <a:r>
+              <a:rPr lang="en-US" altLang="zh-CN" dirty="0" err="1"/>
+              <a:t>va_list</a:t>
+            </a:r>
+            <a:r>
+              <a:rPr lang="en-US" altLang="zh-CN" dirty="0"/>
+              <a:t> </a:t>
             </a:r>
             <a:endParaRPr lang="zh-CN" altLang="en-US" dirty="0"/>
           </a:p>
@@ -5918,7 +7544,6 @@
               <a:rPr lang="en-US" altLang="zh-CN" dirty="0" smtClean="0"/>
               <a:t>Recursion</a:t>
             </a:r>
-            <a:endParaRPr lang="en-US" altLang="zh-CN" dirty="0" smtClean="0"/>
           </a:p>
         </p:txBody>
       </p:sp>
@@ -6017,6 +7642,461 @@
           </a:p>
         </p:txBody>
       </p:sp>
+      <p:graphicFrame>
+        <p:nvGraphicFramePr>
+          <p:cNvPr id="4" name="内容占位符 3"/>
+          <p:cNvGraphicFramePr>
+            <a:graphicFrameLocks/>
+          </p:cNvGraphicFramePr>
+          <p:nvPr>
+            <p:extLst>
+              <p:ext uri="{D42A27DB-BD31-4B8C-83A1-F6EECF244321}">
+                <p14:modId xmlns:p14="http://schemas.microsoft.com/office/powerpoint/2010/main" val="83555917"/>
+              </p:ext>
+            </p:extLst>
+          </p:nvPr>
+        </p:nvGraphicFramePr>
+        <p:xfrm>
+          <a:off x="1629916" y="2564904"/>
+          <a:ext cx="6675416" cy="457200"/>
+        </p:xfrm>
+        <a:graphic>
+          <a:graphicData uri="http://schemas.openxmlformats.org/drawingml/2006/table">
+            <a:tbl>
+              <a:tblPr firstRow="1" bandRow="1">
+                <a:tableStyleId>{5940675A-B579-460E-94D1-54222C63F5DA}</a:tableStyleId>
+              </a:tblPr>
+              <a:tblGrid>
+                <a:gridCol w="834427"/>
+                <a:gridCol w="834427"/>
+                <a:gridCol w="834427"/>
+                <a:gridCol w="834427"/>
+                <a:gridCol w="834427"/>
+                <a:gridCol w="834427"/>
+                <a:gridCol w="834427"/>
+                <a:gridCol w="834427"/>
+              </a:tblGrid>
+              <a:tr h="370840">
+                <a:tc>
+                  <a:txBody>
+                    <a:bodyPr/>
+                    <a:lstStyle/>
+                    <a:p>
+                      <a:r>
+                        <a:rPr lang="en-US" altLang="zh-CN" dirty="0" smtClean="0"/>
+                        <a:t>1</a:t>
+                      </a:r>
+                      <a:endParaRPr lang="zh-CN" altLang="en-US" dirty="0"/>
+                    </a:p>
+                  </a:txBody>
+                  <a:tcPr/>
+                </a:tc>
+                <a:tc>
+                  <a:txBody>
+                    <a:bodyPr/>
+                    <a:lstStyle/>
+                    <a:p>
+                      <a:r>
+                        <a:rPr lang="en-US" altLang="zh-CN" dirty="0" smtClean="0"/>
+                        <a:t>2</a:t>
+                      </a:r>
+                      <a:endParaRPr lang="zh-CN" altLang="en-US" dirty="0"/>
+                    </a:p>
+                  </a:txBody>
+                  <a:tcPr/>
+                </a:tc>
+                <a:tc>
+                  <a:txBody>
+                    <a:bodyPr/>
+                    <a:lstStyle/>
+                    <a:p>
+                      <a:r>
+                        <a:rPr lang="en-US" altLang="zh-CN" dirty="0" smtClean="0"/>
+                        <a:t>3</a:t>
+                      </a:r>
+                      <a:endParaRPr lang="zh-CN" altLang="en-US" dirty="0"/>
+                    </a:p>
+                  </a:txBody>
+                  <a:tcPr/>
+                </a:tc>
+                <a:tc>
+                  <a:txBody>
+                    <a:bodyPr/>
+                    <a:lstStyle/>
+                    <a:p>
+                      <a:r>
+                        <a:rPr lang="en-US" altLang="zh-CN" dirty="0" smtClean="0"/>
+                        <a:t>4</a:t>
+                      </a:r>
+                      <a:endParaRPr lang="zh-CN" altLang="en-US" dirty="0"/>
+                    </a:p>
+                  </a:txBody>
+                  <a:tcPr/>
+                </a:tc>
+                <a:tc>
+                  <a:txBody>
+                    <a:bodyPr/>
+                    <a:lstStyle/>
+                    <a:p>
+                      <a:endParaRPr lang="zh-CN" altLang="en-US" dirty="0"/>
+                    </a:p>
+                  </a:txBody>
+                  <a:tcPr/>
+                </a:tc>
+                <a:tc>
+                  <a:txBody>
+                    <a:bodyPr/>
+                    <a:lstStyle/>
+                    <a:p>
+                      <a:endParaRPr lang="zh-CN" altLang="en-US" dirty="0"/>
+                    </a:p>
+                  </a:txBody>
+                  <a:tcPr/>
+                </a:tc>
+                <a:tc>
+                  <a:txBody>
+                    <a:bodyPr/>
+                    <a:lstStyle/>
+                    <a:p>
+                      <a:endParaRPr lang="zh-CN" altLang="en-US"/>
+                    </a:p>
+                  </a:txBody>
+                  <a:tcPr/>
+                </a:tc>
+                <a:tc>
+                  <a:txBody>
+                    <a:bodyPr/>
+                    <a:lstStyle/>
+                    <a:p>
+                      <a:endParaRPr lang="zh-CN" altLang="en-US" dirty="0"/>
+                    </a:p>
+                  </a:txBody>
+                  <a:tcPr/>
+                </a:tc>
+              </a:tr>
+            </a:tbl>
+          </a:graphicData>
+        </a:graphic>
+      </p:graphicFrame>
+      <p:graphicFrame>
+        <p:nvGraphicFramePr>
+          <p:cNvPr id="6" name="表格 5"/>
+          <p:cNvGraphicFramePr>
+            <a:graphicFrameLocks noGrp="1"/>
+          </p:cNvGraphicFramePr>
+          <p:nvPr>
+            <p:extLst>
+              <p:ext uri="{D42A27DB-BD31-4B8C-83A1-F6EECF244321}">
+                <p14:modId xmlns:p14="http://schemas.microsoft.com/office/powerpoint/2010/main" val="3971489007"/>
+              </p:ext>
+            </p:extLst>
+          </p:nvPr>
+        </p:nvGraphicFramePr>
+        <p:xfrm>
+          <a:off x="2926060" y="3573016"/>
+          <a:ext cx="834427" cy="457200"/>
+        </p:xfrm>
+        <a:graphic>
+          <a:graphicData uri="http://schemas.openxmlformats.org/drawingml/2006/table">
+            <a:tbl>
+              <a:tblPr firstRow="1" bandRow="1">
+                <a:tableStyleId>{5940675A-B579-460E-94D1-54222C63F5DA}</a:tableStyleId>
+              </a:tblPr>
+              <a:tblGrid>
+                <a:gridCol w="834427"/>
+              </a:tblGrid>
+              <a:tr h="370840">
+                <a:tc>
+                  <a:txBody>
+                    <a:bodyPr/>
+                    <a:lstStyle/>
+                    <a:p>
+                      <a:r>
+                        <a:rPr lang="en-US" altLang="zh-CN" dirty="0" smtClean="0"/>
+                        <a:t>2.5</a:t>
+                      </a:r>
+                      <a:endParaRPr lang="zh-CN" altLang="en-US" dirty="0"/>
+                    </a:p>
+                  </a:txBody>
+                  <a:tcPr/>
+                </a:tc>
+              </a:tr>
+            </a:tbl>
+          </a:graphicData>
+        </a:graphic>
+      </p:graphicFrame>
+      <p:cxnSp>
+        <p:nvCxnSpPr>
+          <p:cNvPr id="8" name="直接箭头连接符 7"/>
+          <p:cNvCxnSpPr/>
+          <p:nvPr/>
+        </p:nvCxnSpPr>
+        <p:spPr>
+          <a:xfrm flipV="1">
+            <a:off x="3286100" y="3068960"/>
+            <a:ext cx="0" cy="360040"/>
+          </a:xfrm>
+          <a:prstGeom prst="straightConnector1">
+            <a:avLst/>
+          </a:prstGeom>
+          <a:ln w="25400">
+            <a:solidFill>
+              <a:schemeClr val="tx1"/>
+            </a:solidFill>
+            <a:tailEnd type="triangle"/>
+          </a:ln>
+        </p:spPr>
+        <p:style>
+          <a:lnRef idx="1">
+            <a:schemeClr val="accent1"/>
+          </a:lnRef>
+          <a:fillRef idx="0">
+            <a:schemeClr val="accent1"/>
+          </a:fillRef>
+          <a:effectRef idx="0">
+            <a:schemeClr val="accent1"/>
+          </a:effectRef>
+          <a:fontRef idx="minor">
+            <a:schemeClr val="tx1"/>
+          </a:fontRef>
+        </p:style>
+      </p:cxnSp>
+      <p:graphicFrame>
+        <p:nvGraphicFramePr>
+          <p:cNvPr id="9" name="内容占位符 3"/>
+          <p:cNvGraphicFramePr>
+            <a:graphicFrameLocks/>
+          </p:cNvGraphicFramePr>
+          <p:nvPr>
+            <p:extLst>
+              <p:ext uri="{D42A27DB-BD31-4B8C-83A1-F6EECF244321}">
+                <p14:modId xmlns:p14="http://schemas.microsoft.com/office/powerpoint/2010/main" val="1859972850"/>
+              </p:ext>
+            </p:extLst>
+          </p:nvPr>
+        </p:nvGraphicFramePr>
+        <p:xfrm>
+          <a:off x="1557908" y="4653136"/>
+          <a:ext cx="6675416" cy="457200"/>
+        </p:xfrm>
+        <a:graphic>
+          <a:graphicData uri="http://schemas.openxmlformats.org/drawingml/2006/table">
+            <a:tbl>
+              <a:tblPr firstRow="1" bandRow="1">
+                <a:tableStyleId>{5940675A-B579-460E-94D1-54222C63F5DA}</a:tableStyleId>
+              </a:tblPr>
+              <a:tblGrid>
+                <a:gridCol w="834427"/>
+                <a:gridCol w="834427"/>
+                <a:gridCol w="834427"/>
+                <a:gridCol w="834427"/>
+                <a:gridCol w="834427"/>
+                <a:gridCol w="834427"/>
+                <a:gridCol w="834427"/>
+                <a:gridCol w="834427"/>
+              </a:tblGrid>
+              <a:tr h="370840">
+                <a:tc>
+                  <a:txBody>
+                    <a:bodyPr/>
+                    <a:lstStyle/>
+                    <a:p>
+                      <a:endParaRPr lang="zh-CN" altLang="en-US" dirty="0"/>
+                    </a:p>
+                  </a:txBody>
+                  <a:tcPr/>
+                </a:tc>
+                <a:tc>
+                  <a:txBody>
+                    <a:bodyPr/>
+                    <a:lstStyle/>
+                    <a:p>
+                      <a:endParaRPr lang="zh-CN" altLang="en-US" dirty="0"/>
+                    </a:p>
+                  </a:txBody>
+                  <a:tcPr/>
+                </a:tc>
+                <a:tc>
+                  <a:txBody>
+                    <a:bodyPr/>
+                    <a:lstStyle/>
+                    <a:p>
+                      <a:endParaRPr lang="zh-CN" altLang="en-US" dirty="0"/>
+                    </a:p>
+                  </a:txBody>
+                  <a:tcPr/>
+                </a:tc>
+                <a:tc>
+                  <a:txBody>
+                    <a:bodyPr/>
+                    <a:lstStyle/>
+                    <a:p>
+                      <a:endParaRPr lang="zh-CN" altLang="en-US" dirty="0"/>
+                    </a:p>
+                  </a:txBody>
+                  <a:tcPr/>
+                </a:tc>
+                <a:tc>
+                  <a:txBody>
+                    <a:bodyPr/>
+                    <a:lstStyle/>
+                    <a:p>
+                      <a:endParaRPr lang="zh-CN" altLang="en-US" dirty="0"/>
+                    </a:p>
+                  </a:txBody>
+                  <a:tcPr/>
+                </a:tc>
+                <a:tc>
+                  <a:txBody>
+                    <a:bodyPr/>
+                    <a:lstStyle/>
+                    <a:p>
+                      <a:endParaRPr lang="zh-CN" altLang="en-US" dirty="0"/>
+                    </a:p>
+                  </a:txBody>
+                  <a:tcPr/>
+                </a:tc>
+                <a:tc>
+                  <a:txBody>
+                    <a:bodyPr/>
+                    <a:lstStyle/>
+                    <a:p>
+                      <a:endParaRPr lang="zh-CN" altLang="en-US"/>
+                    </a:p>
+                  </a:txBody>
+                  <a:tcPr/>
+                </a:tc>
+                <a:tc>
+                  <a:txBody>
+                    <a:bodyPr/>
+                    <a:lstStyle/>
+                    <a:p>
+                      <a:endParaRPr lang="zh-CN" altLang="en-US" dirty="0"/>
+                    </a:p>
+                  </a:txBody>
+                  <a:tcPr/>
+                </a:tc>
+              </a:tr>
+            </a:tbl>
+          </a:graphicData>
+        </a:graphic>
+      </p:graphicFrame>
+      <p:sp>
+        <p:nvSpPr>
+          <p:cNvPr id="10" name="矩形 9"/>
+          <p:cNvSpPr/>
+          <p:nvPr/>
+        </p:nvSpPr>
+        <p:spPr>
+          <a:xfrm>
+            <a:off x="1701924" y="4653136"/>
+            <a:ext cx="340158" cy="461665"/>
+          </a:xfrm>
+          <a:prstGeom prst="rect">
+            <a:avLst/>
+          </a:prstGeom>
+        </p:spPr>
+        <p:txBody>
+          <a:bodyPr wrap="none">
+            <a:spAutoFit/>
+          </a:bodyPr>
+          <a:lstStyle/>
+          <a:p>
+            <a:r>
+              <a:rPr lang="en-US" altLang="zh-CN" dirty="0"/>
+              <a:t>1</a:t>
+            </a:r>
+            <a:endParaRPr lang="zh-CN" altLang="en-US" dirty="0"/>
+          </a:p>
+        </p:txBody>
+      </p:sp>
+      <p:sp>
+        <p:nvSpPr>
+          <p:cNvPr id="11" name="矩形 10"/>
+          <p:cNvSpPr/>
+          <p:nvPr/>
+        </p:nvSpPr>
+        <p:spPr>
+          <a:xfrm>
+            <a:off x="2638028" y="4653136"/>
+            <a:ext cx="340158" cy="461665"/>
+          </a:xfrm>
+          <a:prstGeom prst="rect">
+            <a:avLst/>
+          </a:prstGeom>
+        </p:spPr>
+        <p:txBody>
+          <a:bodyPr wrap="none">
+            <a:spAutoFit/>
+          </a:bodyPr>
+          <a:lstStyle/>
+          <a:p>
+            <a:r>
+              <a:rPr lang="en-US" altLang="zh-CN" dirty="0"/>
+              <a:t>2</a:t>
+            </a:r>
+            <a:endParaRPr lang="zh-CN" altLang="en-US" dirty="0"/>
+          </a:p>
+        </p:txBody>
+      </p:sp>
+      <p:sp>
+        <p:nvSpPr>
+          <p:cNvPr id="12" name="矩形 11"/>
+          <p:cNvSpPr/>
+          <p:nvPr/>
+        </p:nvSpPr>
+        <p:spPr>
+          <a:xfrm>
+            <a:off x="3404053" y="4653135"/>
+            <a:ext cx="340158" cy="461665"/>
+          </a:xfrm>
+          <a:prstGeom prst="rect">
+            <a:avLst/>
+          </a:prstGeom>
+        </p:spPr>
+        <p:txBody>
+          <a:bodyPr wrap="none">
+            <a:spAutoFit/>
+          </a:bodyPr>
+          <a:lstStyle/>
+          <a:p>
+            <a:r>
+              <a:rPr lang="en-US" altLang="zh-CN" dirty="0"/>
+              <a:t>3</a:t>
+            </a:r>
+            <a:endParaRPr lang="zh-CN" altLang="en-US" dirty="0"/>
+          </a:p>
+        </p:txBody>
+      </p:sp>
+      <p:sp>
+        <p:nvSpPr>
+          <p:cNvPr id="13" name="矩形 12"/>
+          <p:cNvSpPr/>
+          <p:nvPr/>
+        </p:nvSpPr>
+        <p:spPr>
+          <a:xfrm>
+            <a:off x="4340157" y="4653135"/>
+            <a:ext cx="340158" cy="461665"/>
+          </a:xfrm>
+          <a:prstGeom prst="rect">
+            <a:avLst/>
+          </a:prstGeom>
+        </p:spPr>
+        <p:txBody>
+          <a:bodyPr wrap="none">
+            <a:spAutoFit/>
+          </a:bodyPr>
+          <a:lstStyle/>
+          <a:p>
+            <a:r>
+              <a:rPr lang="en-US" altLang="zh-CN" dirty="0"/>
+              <a:t>4</a:t>
+            </a:r>
+            <a:endParaRPr lang="zh-CN" altLang="en-US" dirty="0"/>
+          </a:p>
+        </p:txBody>
+      </p:sp>
     </p:spTree>
     <p:extLst>
       <p:ext uri="{BB962C8B-B14F-4D97-AF65-F5344CB8AC3E}">
@@ -6027,13 +8107,13 @@
   <p:clrMapOvr>
     <a:masterClrMapping/>
   </p:clrMapOvr>
-  <mc:AlternateContent xmlns:mc="http://schemas.openxmlformats.org/markup-compatibility/2006">
-    <mc:Choice xmlns:p14="http://schemas.microsoft.com/office/powerpoint/2010/main" Requires="p14">
+  <mc:AlternateContent xmlns:mc="http://schemas.openxmlformats.org/markup-compatibility/2006" xmlns:p14="http://schemas.microsoft.com/office/powerpoint/2010/main">
+    <mc:Choice Requires="p14">
       <p:transition spd="med" p14:dur="700">
         <p:fade/>
       </p:transition>
     </mc:Choice>
-    <mc:Fallback>
+    <mc:Fallback xmlns="">
       <p:transition spd="med">
         <p:fade/>
       </p:transition>
@@ -6042,9 +8122,138 @@
   <p:timing>
     <p:tnLst>
       <p:par>
-        <p:cTn id="1" dur="indefinite" restart="never" nodeType="tmRoot"/>
+        <p:cTn id="1" dur="indefinite" restart="never" nodeType="tmRoot">
+          <p:childTnLst>
+            <p:seq concurrent="1" nextAc="seek">
+              <p:cTn id="2" dur="indefinite" nodeType="mainSeq">
+                <p:childTnLst>
+                  <p:par>
+                    <p:cTn id="3" fill="hold">
+                      <p:stCondLst>
+                        <p:cond delay="indefinite"/>
+                      </p:stCondLst>
+                      <p:childTnLst>
+                        <p:par>
+                          <p:cTn id="4" fill="hold">
+                            <p:stCondLst>
+                              <p:cond delay="0"/>
+                            </p:stCondLst>
+                            <p:childTnLst>
+                              <p:par>
+                                <p:cTn id="5" presetID="42" presetClass="path" presetSubtype="0" accel="50000" decel="50000" fill="hold" nodeType="clickEffect">
+                                  <p:stCondLst>
+                                    <p:cond delay="0"/>
+                                  </p:stCondLst>
+                                  <p:childTnLst>
+                                    <p:animMotion origin="layout" path="M -1.79734E-7 1.85185E-6 L 0.01889 0.15764 " pathEditMode="relative" rAng="0" ptsTypes="AA">
+                                      <p:cBhvr>
+                                        <p:cTn id="6" dur="2000" fill="hold"/>
+                                        <p:tgtEl>
+                                          <p:spTgt spid="6"/>
+                                        </p:tgtEl>
+                                        <p:attrNameLst>
+                                          <p:attrName>ppt_x</p:attrName>
+                                          <p:attrName>ppt_y</p:attrName>
+                                        </p:attrNameLst>
+                                      </p:cBhvr>
+                                      <p:rCtr x="938" y="7778"/>
+                                    </p:animMotion>
+                                  </p:childTnLst>
+                                </p:cTn>
+                              </p:par>
+                            </p:childTnLst>
+                          </p:cTn>
+                        </p:par>
+                      </p:childTnLst>
+                    </p:cTn>
+                  </p:par>
+                  <p:par>
+                    <p:cTn id="7" fill="hold">
+                      <p:stCondLst>
+                        <p:cond delay="indefinite"/>
+                      </p:stCondLst>
+                      <p:childTnLst>
+                        <p:par>
+                          <p:cTn id="8" fill="hold">
+                            <p:stCondLst>
+                              <p:cond delay="0"/>
+                            </p:stCondLst>
+                            <p:childTnLst>
+                              <p:par>
+                                <p:cTn id="9" presetID="42" presetClass="path" presetSubtype="0" accel="50000" decel="50000" fill="hold" grpId="0" nodeType="clickEffect">
+                                  <p:stCondLst>
+                                    <p:cond delay="0"/>
+                                  </p:stCondLst>
+                                  <p:childTnLst>
+                                    <p:animMotion origin="layout" path="M 4.69393E-6 2.96296E-6 L 0.07685 -3.7037E-6 " pathEditMode="relative" rAng="0" ptsTypes="AA">
+                                      <p:cBhvr>
+                                        <p:cTn id="10" dur="2000" fill="hold"/>
+                                        <p:tgtEl>
+                                          <p:spTgt spid="12"/>
+                                        </p:tgtEl>
+                                        <p:attrNameLst>
+                                          <p:attrName>ppt_x</p:attrName>
+                                          <p:attrName>ppt_y</p:attrName>
+                                        </p:attrNameLst>
+                                      </p:cBhvr>
+                                      <p:rCtr x="3543" y="-116"/>
+                                    </p:animMotion>
+                                  </p:childTnLst>
+                                </p:cTn>
+                              </p:par>
+                              <p:par>
+                                <p:cTn id="11" presetID="42" presetClass="path" presetSubtype="0" accel="50000" decel="50000" fill="hold" grpId="0" nodeType="withEffect">
+                                  <p:stCondLst>
+                                    <p:cond delay="0"/>
+                                  </p:stCondLst>
+                                  <p:childTnLst>
+                                    <p:animMotion origin="layout" path="M 1.76608E-6 2.96296E-6 L 0.07085 -0.00209 " pathEditMode="relative" rAng="0" ptsTypes="AA">
+                                      <p:cBhvr>
+                                        <p:cTn id="12" dur="2000" fill="hold"/>
+                                        <p:tgtEl>
+                                          <p:spTgt spid="13"/>
+                                        </p:tgtEl>
+                                        <p:attrNameLst>
+                                          <p:attrName>ppt_x</p:attrName>
+                                          <p:attrName>ppt_y</p:attrName>
+                                        </p:attrNameLst>
+                                      </p:cBhvr>
+                                      <p:rCtr x="3543" y="-116"/>
+                                    </p:animMotion>
+                                  </p:childTnLst>
+                                </p:cTn>
+                              </p:par>
+                            </p:childTnLst>
+                          </p:cTn>
+                        </p:par>
+                      </p:childTnLst>
+                    </p:cTn>
+                  </p:par>
+                </p:childTnLst>
+              </p:cTn>
+              <p:prevCondLst>
+                <p:cond evt="onPrev" delay="0">
+                  <p:tgtEl>
+                    <p:sldTgt/>
+                  </p:tgtEl>
+                </p:cond>
+              </p:prevCondLst>
+              <p:nextCondLst>
+                <p:cond evt="onNext" delay="0">
+                  <p:tgtEl>
+                    <p:sldTgt/>
+                  </p:tgtEl>
+                </p:cond>
+              </p:nextCondLst>
+            </p:seq>
+          </p:childTnLst>
+        </p:cTn>
       </p:par>
     </p:tnLst>
+    <p:bldLst>
+      <p:bldP spid="12" grpId="0"/>
+      <p:bldP spid="13" grpId="0"/>
+    </p:bldLst>
   </p:timing>
 </p:sld>
 </file>
@@ -6955,13 +9164,13 @@
   <p:clrMapOvr>
     <a:masterClrMapping/>
   </p:clrMapOvr>
-  <mc:AlternateContent xmlns:mc="http://schemas.openxmlformats.org/markup-compatibility/2006">
-    <mc:Choice xmlns:p14="http://schemas.microsoft.com/office/powerpoint/2010/main" Requires="p14">
+  <mc:AlternateContent xmlns:mc="http://schemas.openxmlformats.org/markup-compatibility/2006" xmlns:p14="http://schemas.microsoft.com/office/powerpoint/2010/main">
+    <mc:Choice Requires="p14">
       <p:transition spd="med" p14:dur="700">
         <p:fade/>
       </p:transition>
     </mc:Choice>
-    <mc:Fallback>
+    <mc:Fallback xmlns="">
       <p:transition spd="med">
         <p:fade/>
       </p:transition>
@@ -7338,13 +9547,13 @@
   <p:clrMapOvr>
     <a:masterClrMapping/>
   </p:clrMapOvr>
-  <mc:AlternateContent xmlns:mc="http://schemas.openxmlformats.org/markup-compatibility/2006">
-    <mc:Choice xmlns:p14="http://schemas.microsoft.com/office/powerpoint/2010/main" Requires="p14">
+  <mc:AlternateContent xmlns:mc="http://schemas.openxmlformats.org/markup-compatibility/2006" xmlns:p14="http://schemas.microsoft.com/office/powerpoint/2010/main">
+    <mc:Choice Requires="p14">
       <p:transition spd="med" p14:dur="700">
         <p:fade/>
       </p:transition>
     </mc:Choice>
-    <mc:Fallback>
+    <mc:Fallback xmlns="">
       <p:transition spd="med">
         <p:fade/>
       </p:transition>
@@ -8193,13 +10402,13 @@
   <p:clrMapOvr>
     <a:masterClrMapping/>
   </p:clrMapOvr>
-  <mc:AlternateContent xmlns:mc="http://schemas.openxmlformats.org/markup-compatibility/2006">
-    <mc:Choice xmlns:p14="http://schemas.microsoft.com/office/powerpoint/2010/main" Requires="p14">
+  <mc:AlternateContent xmlns:mc="http://schemas.openxmlformats.org/markup-compatibility/2006" xmlns:p14="http://schemas.microsoft.com/office/powerpoint/2010/main">
+    <mc:Choice Requires="p14">
       <p:transition spd="med" p14:dur="700">
         <p:fade/>
       </p:transition>
     </mc:Choice>
-    <mc:Fallback>
+    <mc:Fallback xmlns="">
       <p:transition spd="med">
         <p:fade/>
       </p:transition>
@@ -8553,13 +10762,13 @@
   <p:clrMapOvr>
     <a:masterClrMapping/>
   </p:clrMapOvr>
-  <mc:AlternateContent xmlns:mc="http://schemas.openxmlformats.org/markup-compatibility/2006">
-    <mc:Choice xmlns:p14="http://schemas.microsoft.com/office/powerpoint/2010/main" Requires="p14">
+  <mc:AlternateContent xmlns:mc="http://schemas.openxmlformats.org/markup-compatibility/2006" xmlns:p14="http://schemas.microsoft.com/office/powerpoint/2010/main">
+    <mc:Choice Requires="p14">
       <p:transition spd="med" p14:dur="700">
         <p:fade/>
       </p:transition>
     </mc:Choice>
-    <mc:Fallback>
+    <mc:Fallback xmlns="">
       <p:transition spd="med">
         <p:fade/>
       </p:transition>
@@ -8650,13 +10859,13 @@
   <p:clrMapOvr>
     <a:masterClrMapping/>
   </p:clrMapOvr>
-  <mc:AlternateContent xmlns:mc="http://schemas.openxmlformats.org/markup-compatibility/2006">
-    <mc:Choice xmlns:p14="http://schemas.microsoft.com/office/powerpoint/2010/main" Requires="p14">
+  <mc:AlternateContent xmlns:mc="http://schemas.openxmlformats.org/markup-compatibility/2006" xmlns:p14="http://schemas.microsoft.com/office/powerpoint/2010/main">
+    <mc:Choice Requires="p14">
       <p:transition spd="med" p14:dur="700">
         <p:fade/>
       </p:transition>
     </mc:Choice>
-    <mc:Fallback>
+    <mc:Fallback xmlns="">
       <p:transition spd="med">
         <p:fade/>
       </p:transition>
@@ -8735,11 +10944,349 @@
           <a:p>
             <a:r>
               <a:rPr lang="en-US" altLang="zh-CN" dirty="0" smtClean="0"/>
-              <a:t>Recursion usually makes code clean and simple</a:t>
-            </a:r>
-          </a:p>
-          <a:p>
+              <a:t>Recursion usually makes code clean and </a:t>
+            </a:r>
+            <a:r>
+              <a:rPr lang="en-US" altLang="zh-CN" dirty="0" smtClean="0"/>
+              <a:t>simple</a:t>
+            </a:r>
+          </a:p>
+          <a:p>
+            <a:endParaRPr lang="en-US" altLang="zh-CN" dirty="0"/>
+          </a:p>
+          <a:p>
+            <a:endParaRPr lang="en-US" altLang="zh-CN" dirty="0" smtClean="0"/>
+          </a:p>
+          <a:p>
+            <a:endParaRPr lang="en-US" altLang="zh-CN" dirty="0" smtClean="0"/>
+          </a:p>
+          <a:p>
+            <a:endParaRPr lang="en-US" altLang="zh-CN" dirty="0" smtClean="0"/>
+          </a:p>
+          <a:p>
+            <a:pPr marL="0" indent="0">
+              <a:buNone/>
+            </a:pPr>
             <a:endParaRPr lang="zh-CN" altLang="en-US" dirty="0"/>
+          </a:p>
+        </p:txBody>
+      </p:sp>
+      <p:sp>
+        <p:nvSpPr>
+          <p:cNvPr id="4" name="矩形 3"/>
+          <p:cNvSpPr/>
+          <p:nvPr/>
+        </p:nvSpPr>
+        <p:spPr>
+          <a:xfrm>
+            <a:off x="1290891" y="2732562"/>
+            <a:ext cx="4731513" cy="4154984"/>
+          </a:xfrm>
+          <a:prstGeom prst="rect">
+            <a:avLst/>
+          </a:prstGeom>
+          <a:solidFill>
+            <a:schemeClr val="bg1">
+              <a:lumMod val="85000"/>
+              <a:lumOff val="15000"/>
+            </a:schemeClr>
+          </a:solidFill>
+        </p:spPr>
+        <p:txBody>
+          <a:bodyPr wrap="square">
+            <a:spAutoFit/>
+          </a:bodyPr>
+          <a:lstStyle/>
+          <a:p>
+            <a:r>
+              <a:rPr lang="zh-CN" altLang="en-US" dirty="0">
+                <a:solidFill>
+                  <a:schemeClr val="accent5">
+                    <a:lumMod val="75000"/>
+                  </a:schemeClr>
+                </a:solidFill>
+              </a:rPr>
+              <a:t>double</a:t>
+            </a:r>
+            <a:r>
+              <a:rPr lang="zh-CN" altLang="en-US" dirty="0"/>
+              <a:t> </a:t>
+            </a:r>
+            <a:r>
+              <a:rPr lang="zh-CN" altLang="en-US" dirty="0">
+                <a:solidFill>
+                  <a:schemeClr val="accent1">
+                    <a:lumMod val="60000"/>
+                    <a:lumOff val="40000"/>
+                  </a:schemeClr>
+                </a:solidFill>
+              </a:rPr>
+              <a:t>fraction</a:t>
+            </a:r>
+            <a:r>
+              <a:rPr lang="zh-CN" altLang="en-US" dirty="0"/>
+              <a:t>(</a:t>
+            </a:r>
+            <a:r>
+              <a:rPr lang="zh-CN" altLang="en-US" dirty="0">
+                <a:solidFill>
+                  <a:schemeClr val="accent5">
+                    <a:lumMod val="75000"/>
+                  </a:schemeClr>
+                </a:solidFill>
+              </a:rPr>
+              <a:t>int</a:t>
+            </a:r>
+            <a:r>
+              <a:rPr lang="zh-CN" altLang="en-US" dirty="0"/>
+              <a:t> n)</a:t>
+            </a:r>
+          </a:p>
+          <a:p>
+            <a:r>
+              <a:rPr lang="zh-CN" altLang="en-US" dirty="0"/>
+              <a:t>{</a:t>
+            </a:r>
+          </a:p>
+          <a:p>
+            <a:r>
+              <a:rPr lang="zh-CN" altLang="en-US" dirty="0"/>
+              <a:t>	</a:t>
+            </a:r>
+            <a:r>
+              <a:rPr lang="zh-CN" altLang="en-US" dirty="0">
+                <a:solidFill>
+                  <a:schemeClr val="accent5">
+                    <a:lumMod val="75000"/>
+                  </a:schemeClr>
+                </a:solidFill>
+              </a:rPr>
+              <a:t>if</a:t>
+            </a:r>
+            <a:r>
+              <a:rPr lang="zh-CN" altLang="en-US" dirty="0"/>
+              <a:t>(n==0)</a:t>
+            </a:r>
+          </a:p>
+          <a:p>
+            <a:r>
+              <a:rPr lang="zh-CN" altLang="en-US" dirty="0"/>
+              <a:t>	</a:t>
+            </a:r>
+            <a:r>
+              <a:rPr lang="zh-CN" altLang="en-US" dirty="0" smtClean="0"/>
+              <a:t>    return </a:t>
+            </a:r>
+            <a:r>
+              <a:rPr lang="zh-CN" altLang="en-US" dirty="0"/>
+              <a:t>1;</a:t>
+            </a:r>
+          </a:p>
+          <a:p>
+            <a:r>
+              <a:rPr lang="zh-CN" altLang="en-US" dirty="0"/>
+              <a:t>	return n*</a:t>
+            </a:r>
+            <a:r>
+              <a:rPr lang="zh-CN" altLang="en-US" dirty="0">
+                <a:solidFill>
+                  <a:schemeClr val="accent1">
+                    <a:lumMod val="60000"/>
+                    <a:lumOff val="40000"/>
+                  </a:schemeClr>
+                </a:solidFill>
+              </a:rPr>
+              <a:t>fraction</a:t>
+            </a:r>
+            <a:r>
+              <a:rPr lang="zh-CN" altLang="en-US" dirty="0"/>
+              <a:t>(n-1);</a:t>
+            </a:r>
+          </a:p>
+          <a:p>
+            <a:r>
+              <a:rPr lang="zh-CN" altLang="en-US" dirty="0" smtClean="0"/>
+              <a:t>}</a:t>
+            </a:r>
+            <a:endParaRPr lang="en-US" altLang="zh-CN" dirty="0" smtClean="0"/>
+          </a:p>
+          <a:p>
+            <a:endParaRPr lang="en-US" altLang="zh-CN" dirty="0"/>
+          </a:p>
+          <a:p>
+            <a:endParaRPr lang="en-US" altLang="zh-CN" dirty="0" smtClean="0"/>
+          </a:p>
+          <a:p>
+            <a:endParaRPr lang="en-US" altLang="zh-CN" dirty="0"/>
+          </a:p>
+          <a:p>
+            <a:endParaRPr lang="en-US" altLang="zh-CN" dirty="0" smtClean="0"/>
+          </a:p>
+          <a:p>
+            <a:endParaRPr lang="zh-CN" altLang="en-US" dirty="0"/>
+          </a:p>
+        </p:txBody>
+      </p:sp>
+      <p:sp>
+        <p:nvSpPr>
+          <p:cNvPr id="5" name="矩形 4"/>
+          <p:cNvSpPr/>
+          <p:nvPr/>
+        </p:nvSpPr>
+        <p:spPr>
+          <a:xfrm>
+            <a:off x="6094413" y="2732562"/>
+            <a:ext cx="4248472" cy="4154984"/>
+          </a:xfrm>
+          <a:prstGeom prst="rect">
+            <a:avLst/>
+          </a:prstGeom>
+          <a:solidFill>
+            <a:schemeClr val="bg1">
+              <a:lumMod val="85000"/>
+              <a:lumOff val="15000"/>
+            </a:schemeClr>
+          </a:solidFill>
+        </p:spPr>
+        <p:txBody>
+          <a:bodyPr wrap="square">
+            <a:spAutoFit/>
+          </a:bodyPr>
+          <a:lstStyle/>
+          <a:p>
+            <a:r>
+              <a:rPr lang="zh-CN" altLang="en-US" dirty="0">
+                <a:solidFill>
+                  <a:schemeClr val="accent5">
+                    <a:lumMod val="75000"/>
+                  </a:schemeClr>
+                </a:solidFill>
+              </a:rPr>
+              <a:t>double</a:t>
+            </a:r>
+            <a:r>
+              <a:rPr lang="zh-CN" altLang="en-US" dirty="0"/>
+              <a:t> </a:t>
+            </a:r>
+            <a:r>
+              <a:rPr lang="zh-CN" altLang="en-US" dirty="0">
+                <a:solidFill>
+                  <a:schemeClr val="accent1">
+                    <a:lumMod val="60000"/>
+                    <a:lumOff val="40000"/>
+                  </a:schemeClr>
+                </a:solidFill>
+              </a:rPr>
+              <a:t>fraction</a:t>
+            </a:r>
+            <a:r>
+              <a:rPr lang="zh-CN" altLang="en-US" dirty="0"/>
+              <a:t>(</a:t>
+            </a:r>
+            <a:r>
+              <a:rPr lang="zh-CN" altLang="en-US" dirty="0">
+                <a:solidFill>
+                  <a:schemeClr val="accent5">
+                    <a:lumMod val="75000"/>
+                  </a:schemeClr>
+                </a:solidFill>
+              </a:rPr>
+              <a:t>int</a:t>
+            </a:r>
+            <a:r>
+              <a:rPr lang="zh-CN" altLang="en-US" dirty="0"/>
+              <a:t> n)</a:t>
+            </a:r>
+          </a:p>
+          <a:p>
+            <a:r>
+              <a:rPr lang="zh-CN" altLang="en-US" dirty="0"/>
+              <a:t>{</a:t>
+            </a:r>
+          </a:p>
+          <a:p>
+            <a:r>
+              <a:rPr lang="zh-CN" altLang="en-US" dirty="0"/>
+              <a:t>	if(n==0)</a:t>
+            </a:r>
+          </a:p>
+          <a:p>
+            <a:r>
+              <a:rPr lang="zh-CN" altLang="en-US" dirty="0"/>
+              <a:t>	</a:t>
+            </a:r>
+            <a:r>
+              <a:rPr lang="zh-CN" altLang="en-US" dirty="0" smtClean="0"/>
+              <a:t>    return </a:t>
+            </a:r>
+            <a:r>
+              <a:rPr lang="zh-CN" altLang="en-US" dirty="0"/>
+              <a:t>1;</a:t>
+            </a:r>
+          </a:p>
+          <a:p>
+            <a:r>
+              <a:rPr lang="zh-CN" altLang="en-US" dirty="0"/>
+              <a:t>	</a:t>
+            </a:r>
+            <a:r>
+              <a:rPr lang="zh-CN" altLang="en-US" dirty="0">
+                <a:solidFill>
+                  <a:schemeClr val="accent5">
+                    <a:lumMod val="75000"/>
+                  </a:schemeClr>
+                </a:solidFill>
+              </a:rPr>
+              <a:t>double </a:t>
+            </a:r>
+            <a:r>
+              <a:rPr lang="zh-CN" altLang="en-US" dirty="0"/>
+              <a:t>out = 1;</a:t>
+            </a:r>
+          </a:p>
+          <a:p>
+            <a:r>
+              <a:rPr lang="zh-CN" altLang="en-US" dirty="0"/>
+              <a:t>	for (int i = 1; i &lt;= n; ++i)</a:t>
+            </a:r>
+          </a:p>
+          <a:p>
+            <a:r>
+              <a:rPr lang="zh-CN" altLang="en-US" dirty="0"/>
+              <a:t>	{</a:t>
+            </a:r>
+          </a:p>
+          <a:p>
+            <a:r>
+              <a:rPr lang="zh-CN" altLang="en-US" dirty="0"/>
+              <a:t>	</a:t>
+            </a:r>
+            <a:r>
+              <a:rPr lang="zh-CN" altLang="en-US" dirty="0" smtClean="0"/>
+              <a:t>    out </a:t>
+            </a:r>
+            <a:r>
+              <a:rPr lang="zh-CN" altLang="en-US" dirty="0"/>
+              <a:t>*= i;</a:t>
+            </a:r>
+          </a:p>
+          <a:p>
+            <a:r>
+              <a:rPr lang="zh-CN" altLang="en-US" dirty="0"/>
+              <a:t>	}</a:t>
+            </a:r>
+          </a:p>
+          <a:p>
+            <a:r>
+              <a:rPr lang="zh-CN" altLang="en-US" dirty="0"/>
+              <a:t>	return out;</a:t>
+            </a:r>
+          </a:p>
+          <a:p>
+            <a:r>
+              <a:rPr lang="zh-CN" altLang="en-US" dirty="0"/>
+              <a:t>}</a:t>
+            </a:r>
           </a:p>
         </p:txBody>
       </p:sp>
@@ -8753,13 +11300,13 @@
   <p:clrMapOvr>
     <a:masterClrMapping/>
   </p:clrMapOvr>
-  <mc:AlternateContent xmlns:mc="http://schemas.openxmlformats.org/markup-compatibility/2006">
-    <mc:Choice xmlns:p14="http://schemas.microsoft.com/office/powerpoint/2010/main" Requires="p14">
+  <mc:AlternateContent xmlns:mc="http://schemas.openxmlformats.org/markup-compatibility/2006" xmlns:p14="http://schemas.microsoft.com/office/powerpoint/2010/main">
+    <mc:Choice Requires="p14">
       <p:transition spd="med" p14:dur="700">
         <p:fade/>
       </p:transition>
     </mc:Choice>
-    <mc:Fallback>
+    <mc:Fallback xmlns="">
       <p:transition spd="med">
         <p:fade/>
       </p:transition>
